--- a/GroupOneSite/src/GroupOneSite/wwwroot/MilestoneDocuments/Presentation 1.pptx
+++ b/GroupOneSite/src/GroupOneSite/wwwroot/MilestoneDocuments/Presentation 1.pptx
@@ -16,6 +16,8 @@
     <p:sldId id="261" r:id="rId10"/>
     <p:sldId id="262" r:id="rId11"/>
     <p:sldId id="263" r:id="rId12"/>
+    <p:sldId id="264" r:id="rId13"/>
+    <p:sldId id="265" r:id="rId14"/>
   </p:sldIdLst>
   <p:sldSz cy="6858000" cx="12192000"/>
   <p:notesSz cx="6858000" cy="9144000"/>
@@ -472,6 +474,105 @@
 </p:notes>
 </file>
 
+<file path=ppt/notesSlides/notesSlide10.xml><?xml version="1.0" encoding="utf-8"?>
+<p:notes xmlns:a="http://schemas.openxmlformats.org/drawingml/2006/main" xmlns:r="http://schemas.openxmlformats.org/officeDocument/2006/relationships" xmlns:mc="http://schemas.openxmlformats.org/markup-compatibility/2006" xmlns:mv="urn:schemas-microsoft-com:mac:vml" xmlns:p="http://schemas.openxmlformats.org/presentationml/2006/main" xmlns:c="http://schemas.openxmlformats.org/drawingml/2006/chart" xmlns:dgm="http://schemas.openxmlformats.org/drawingml/2006/diagram" xmlns:o="urn:schemas-microsoft-com:office:office" xmlns:v="urn:schemas-microsoft-com:vml" xmlns:pvml="urn:schemas-microsoft-com:office:powerpoint" xmlns:com="http://schemas.openxmlformats.org/drawingml/2006/compatibility" xmlns:p14="http://schemas.microsoft.com/office/powerpoint/2010/main" showMasterPhAnim="0" showMasterSp="0">
+  <p:cSld>
+    <p:spTree>
+      <p:nvGrpSpPr>
+        <p:cNvPr id="188" name="Shape 188"/>
+        <p:cNvGrpSpPr/>
+        <p:nvPr/>
+      </p:nvGrpSpPr>
+      <p:grpSpPr>
+        <a:xfrm>
+          <a:off x="0" y="0"/>
+          <a:ext cx="0" cy="0"/>
+          <a:chOff x="0" y="0"/>
+          <a:chExt cx="0" cy="0"/>
+        </a:xfrm>
+      </p:grpSpPr>
+      <p:sp>
+        <p:nvSpPr>
+          <p:cNvPr id="189" name="Shape 189"/>
+          <p:cNvSpPr txBox="1"/>
+          <p:nvPr>
+            <p:ph idx="1" type="body"/>
+          </p:nvPr>
+        </p:nvSpPr>
+        <p:spPr>
+          <a:xfrm>
+            <a:off x="685800" y="4343400"/>
+            <a:ext cx="5486399" cy="4114800"/>
+          </a:xfrm>
+          <a:prstGeom prst="rect">
+            <a:avLst/>
+          </a:prstGeom>
+          <a:noFill/>
+          <a:ln>
+            <a:noFill/>
+          </a:ln>
+        </p:spPr>
+        <p:txBody>
+          <a:bodyPr anchorCtr="0" anchor="ctr" bIns="91425" lIns="91425" rIns="91425" tIns="91425">
+            <a:noAutofit/>
+          </a:bodyPr>
+          <a:lstStyle/>
+          <a:p>
+            <a:pPr lvl="0">
+              <a:spcBef>
+                <a:spcPts val="0"/>
+              </a:spcBef>
+              <a:buNone/>
+            </a:pPr>
+            <a:r>
+              <a:t/>
+            </a:r>
+            <a:endParaRPr/>
+          </a:p>
+        </p:txBody>
+      </p:sp>
+      <p:sp>
+        <p:nvSpPr>
+          <p:cNvPr id="190" name="Shape 190"/>
+          <p:cNvSpPr/>
+          <p:nvPr>
+            <p:ph idx="2" type="sldImg"/>
+          </p:nvPr>
+        </p:nvSpPr>
+        <p:spPr>
+          <a:xfrm>
+            <a:off x="1143225" y="685800"/>
+            <a:ext cx="4572225" cy="3429000"/>
+          </a:xfrm>
+          <a:custGeom>
+            <a:pathLst>
+              <a:path extrusionOk="0" h="120000" w="120000">
+                <a:moveTo>
+                  <a:pt x="0" y="0"/>
+                </a:moveTo>
+                <a:lnTo>
+                  <a:pt x="120000" y="0"/>
+                </a:lnTo>
+                <a:lnTo>
+                  <a:pt x="120000" y="120000"/>
+                </a:lnTo>
+                <a:lnTo>
+                  <a:pt x="0" y="120000"/>
+                </a:lnTo>
+                <a:close/>
+              </a:path>
+            </a:pathLst>
+          </a:custGeom>
+        </p:spPr>
+      </p:sp>
+    </p:spTree>
+  </p:cSld>
+  <p:clrMapOvr>
+    <a:masterClrMapping/>
+  </p:clrMapOvr>
+</p:notes>
+</file>
+
 <file path=ppt/notesSlides/notesSlide2.xml><?xml version="1.0" encoding="utf-8"?>
 <p:notes xmlns:a="http://schemas.openxmlformats.org/drawingml/2006/main" xmlns:r="http://schemas.openxmlformats.org/officeDocument/2006/relationships" xmlns:mc="http://schemas.openxmlformats.org/markup-compatibility/2006" xmlns:mv="urn:schemas-microsoft-com:mac:vml" xmlns:p="http://schemas.openxmlformats.org/presentationml/2006/main" xmlns:c="http://schemas.openxmlformats.org/drawingml/2006/chart" xmlns:dgm="http://schemas.openxmlformats.org/drawingml/2006/diagram" xmlns:o="urn:schemas-microsoft-com:office:office" xmlns:v="urn:schemas-microsoft-com:vml" xmlns:pvml="urn:schemas-microsoft-com:office:powerpoint" xmlns:com="http://schemas.openxmlformats.org/drawingml/2006/compatibility" xmlns:p14="http://schemas.microsoft.com/office/powerpoint/2010/main" showMasterPhAnim="0" showMasterSp="0">
   <p:cSld>
@@ -690,46 +791,6 @@
       <p:sp>
         <p:nvSpPr>
           <p:cNvPr id="158" name="Shape 158"/>
-          <p:cNvSpPr txBox="1"/>
-          <p:nvPr>
-            <p:ph idx="1" type="body"/>
-          </p:nvPr>
-        </p:nvSpPr>
-        <p:spPr>
-          <a:xfrm>
-            <a:off x="685800" y="4343400"/>
-            <a:ext cx="5486399" cy="4114800"/>
-          </a:xfrm>
-          <a:prstGeom prst="rect">
-            <a:avLst/>
-          </a:prstGeom>
-          <a:noFill/>
-          <a:ln>
-            <a:noFill/>
-          </a:ln>
-        </p:spPr>
-        <p:txBody>
-          <a:bodyPr anchorCtr="0" anchor="ctr" bIns="91425" lIns="91425" rIns="91425" tIns="91425">
-            <a:noAutofit/>
-          </a:bodyPr>
-          <a:lstStyle/>
-          <a:p>
-            <a:pPr lvl="0">
-              <a:spcBef>
-                <a:spcPts val="0"/>
-              </a:spcBef>
-              <a:buNone/>
-            </a:pPr>
-            <a:r>
-              <a:t/>
-            </a:r>
-            <a:endParaRPr/>
-          </a:p>
-        </p:txBody>
-      </p:sp>
-      <p:sp>
-        <p:nvSpPr>
-          <p:cNvPr id="159" name="Shape 159"/>
           <p:cNvSpPr/>
           <p:nvPr>
             <p:ph idx="2" type="sldImg"/>
@@ -738,7 +799,7 @@
         <p:spPr>
           <a:xfrm>
             <a:off x="1143225" y="685800"/>
-            <a:ext cx="4572225" cy="3429000"/>
+            <a:ext cx="4572300" cy="3429000"/>
           </a:xfrm>
           <a:custGeom>
             <a:pathLst>
@@ -760,6 +821,42 @@
             </a:pathLst>
           </a:custGeom>
         </p:spPr>
+      </p:sp>
+      <p:sp>
+        <p:nvSpPr>
+          <p:cNvPr id="159" name="Shape 159"/>
+          <p:cNvSpPr txBox="1"/>
+          <p:nvPr>
+            <p:ph idx="1" type="body"/>
+          </p:nvPr>
+        </p:nvSpPr>
+        <p:spPr>
+          <a:xfrm>
+            <a:off x="685800" y="4343400"/>
+            <a:ext cx="5486400" cy="4114800"/>
+          </a:xfrm>
+          <a:prstGeom prst="rect">
+            <a:avLst/>
+          </a:prstGeom>
+        </p:spPr>
+        <p:txBody>
+          <a:bodyPr anchorCtr="0" anchor="t" bIns="91425" lIns="91425" rIns="91425" tIns="91425">
+            <a:noAutofit/>
+          </a:bodyPr>
+          <a:lstStyle/>
+          <a:p>
+            <a:pPr lvl="0">
+              <a:spcBef>
+                <a:spcPts val="0"/>
+              </a:spcBef>
+              <a:buNone/>
+            </a:pPr>
+            <a:r>
+              <a:t/>
+            </a:r>
+            <a:endParaRPr/>
+          </a:p>
+        </p:txBody>
       </p:sp>
     </p:spTree>
   </p:cSld>
@@ -873,7 +970,7 @@
   <p:cSld>
     <p:spTree>
       <p:nvGrpSpPr>
-        <p:cNvPr id="168" name="Shape 168"/>
+        <p:cNvPr id="167" name="Shape 167"/>
         <p:cNvGrpSpPr/>
         <p:nvPr/>
       </p:nvGrpSpPr>
@@ -887,106 +984,7 @@
       </p:grpSpPr>
       <p:sp>
         <p:nvSpPr>
-          <p:cNvPr id="169" name="Shape 169"/>
-          <p:cNvSpPr txBox="1"/>
-          <p:nvPr>
-            <p:ph idx="1" type="body"/>
-          </p:nvPr>
-        </p:nvSpPr>
-        <p:spPr>
-          <a:xfrm>
-            <a:off x="685800" y="4343400"/>
-            <a:ext cx="5486399" cy="4114800"/>
-          </a:xfrm>
-          <a:prstGeom prst="rect">
-            <a:avLst/>
-          </a:prstGeom>
-          <a:noFill/>
-          <a:ln>
-            <a:noFill/>
-          </a:ln>
-        </p:spPr>
-        <p:txBody>
-          <a:bodyPr anchorCtr="0" anchor="ctr" bIns="91425" lIns="91425" rIns="91425" tIns="91425">
-            <a:noAutofit/>
-          </a:bodyPr>
-          <a:lstStyle/>
-          <a:p>
-            <a:pPr lvl="0">
-              <a:spcBef>
-                <a:spcPts val="0"/>
-              </a:spcBef>
-              <a:buNone/>
-            </a:pPr>
-            <a:r>
-              <a:t/>
-            </a:r>
-            <a:endParaRPr/>
-          </a:p>
-        </p:txBody>
-      </p:sp>
-      <p:sp>
-        <p:nvSpPr>
-          <p:cNvPr id="170" name="Shape 170"/>
-          <p:cNvSpPr/>
-          <p:nvPr>
-            <p:ph idx="2" type="sldImg"/>
-          </p:nvPr>
-        </p:nvSpPr>
-        <p:spPr>
-          <a:xfrm>
-            <a:off x="1143225" y="685800"/>
-            <a:ext cx="4572225" cy="3429000"/>
-          </a:xfrm>
-          <a:custGeom>
-            <a:pathLst>
-              <a:path extrusionOk="0" h="120000" w="120000">
-                <a:moveTo>
-                  <a:pt x="0" y="0"/>
-                </a:moveTo>
-                <a:lnTo>
-                  <a:pt x="120000" y="0"/>
-                </a:lnTo>
-                <a:lnTo>
-                  <a:pt x="120000" y="120000"/>
-                </a:lnTo>
-                <a:lnTo>
-                  <a:pt x="0" y="120000"/>
-                </a:lnTo>
-                <a:close/>
-              </a:path>
-            </a:pathLst>
-          </a:custGeom>
-        </p:spPr>
-      </p:sp>
-    </p:spTree>
-  </p:cSld>
-  <p:clrMapOvr>
-    <a:masterClrMapping/>
-  </p:clrMapOvr>
-</p:notes>
-</file>
-
-<file path=ppt/notesSlides/notesSlide7.xml><?xml version="1.0" encoding="utf-8"?>
-<p:notes xmlns:a="http://schemas.openxmlformats.org/drawingml/2006/main" xmlns:r="http://schemas.openxmlformats.org/officeDocument/2006/relationships" xmlns:mc="http://schemas.openxmlformats.org/markup-compatibility/2006" xmlns:mv="urn:schemas-microsoft-com:mac:vml" xmlns:p="http://schemas.openxmlformats.org/presentationml/2006/main" xmlns:c="http://schemas.openxmlformats.org/drawingml/2006/chart" xmlns:dgm="http://schemas.openxmlformats.org/drawingml/2006/diagram" xmlns:o="urn:schemas-microsoft-com:office:office" xmlns:v="urn:schemas-microsoft-com:vml" xmlns:pvml="urn:schemas-microsoft-com:office:powerpoint" xmlns:com="http://schemas.openxmlformats.org/drawingml/2006/compatibility" xmlns:p14="http://schemas.microsoft.com/office/powerpoint/2010/main" showMasterPhAnim="0" showMasterSp="0">
-  <p:cSld>
-    <p:spTree>
-      <p:nvGrpSpPr>
-        <p:cNvPr id="173" name="Shape 173"/>
-        <p:cNvGrpSpPr/>
-        <p:nvPr/>
-      </p:nvGrpSpPr>
-      <p:grpSpPr>
-        <a:xfrm>
-          <a:off x="0" y="0"/>
-          <a:ext cx="0" cy="0"/>
-          <a:chOff x="0" y="0"/>
-          <a:chExt cx="0" cy="0"/>
-        </a:xfrm>
-      </p:grpSpPr>
-      <p:sp>
-        <p:nvSpPr>
-          <p:cNvPr id="174" name="Shape 174"/>
+          <p:cNvPr id="168" name="Shape 168"/>
           <p:cNvSpPr/>
           <p:nvPr>
             <p:ph idx="2" type="sldImg"/>
@@ -1020,7 +1018,7 @@
       </p:sp>
       <p:sp>
         <p:nvSpPr>
-          <p:cNvPr id="175" name="Shape 175"/>
+          <p:cNvPr id="169" name="Shape 169"/>
           <p:cNvSpPr txBox="1"/>
           <p:nvPr>
             <p:ph idx="1" type="body"/>
@@ -1053,6 +1051,105 @@
             <a:endParaRPr/>
           </a:p>
         </p:txBody>
+      </p:sp>
+    </p:spTree>
+  </p:cSld>
+  <p:clrMapOvr>
+    <a:masterClrMapping/>
+  </p:clrMapOvr>
+</p:notes>
+</file>
+
+<file path=ppt/notesSlides/notesSlide7.xml><?xml version="1.0" encoding="utf-8"?>
+<p:notes xmlns:a="http://schemas.openxmlformats.org/drawingml/2006/main" xmlns:r="http://schemas.openxmlformats.org/officeDocument/2006/relationships" xmlns:mc="http://schemas.openxmlformats.org/markup-compatibility/2006" xmlns:mv="urn:schemas-microsoft-com:mac:vml" xmlns:p="http://schemas.openxmlformats.org/presentationml/2006/main" xmlns:c="http://schemas.openxmlformats.org/drawingml/2006/chart" xmlns:dgm="http://schemas.openxmlformats.org/drawingml/2006/diagram" xmlns:o="urn:schemas-microsoft-com:office:office" xmlns:v="urn:schemas-microsoft-com:vml" xmlns:pvml="urn:schemas-microsoft-com:office:powerpoint" xmlns:com="http://schemas.openxmlformats.org/drawingml/2006/compatibility" xmlns:p14="http://schemas.microsoft.com/office/powerpoint/2010/main" showMasterPhAnim="0" showMasterSp="0">
+  <p:cSld>
+    <p:spTree>
+      <p:nvGrpSpPr>
+        <p:cNvPr id="172" name="Shape 172"/>
+        <p:cNvGrpSpPr/>
+        <p:nvPr/>
+      </p:nvGrpSpPr>
+      <p:grpSpPr>
+        <a:xfrm>
+          <a:off x="0" y="0"/>
+          <a:ext cx="0" cy="0"/>
+          <a:chOff x="0" y="0"/>
+          <a:chExt cx="0" cy="0"/>
+        </a:xfrm>
+      </p:grpSpPr>
+      <p:sp>
+        <p:nvSpPr>
+          <p:cNvPr id="173" name="Shape 173"/>
+          <p:cNvSpPr txBox="1"/>
+          <p:nvPr>
+            <p:ph idx="1" type="body"/>
+          </p:nvPr>
+        </p:nvSpPr>
+        <p:spPr>
+          <a:xfrm>
+            <a:off x="685800" y="4343400"/>
+            <a:ext cx="5486399" cy="4114800"/>
+          </a:xfrm>
+          <a:prstGeom prst="rect">
+            <a:avLst/>
+          </a:prstGeom>
+          <a:noFill/>
+          <a:ln>
+            <a:noFill/>
+          </a:ln>
+        </p:spPr>
+        <p:txBody>
+          <a:bodyPr anchorCtr="0" anchor="ctr" bIns="91425" lIns="91425" rIns="91425" tIns="91425">
+            <a:noAutofit/>
+          </a:bodyPr>
+          <a:lstStyle/>
+          <a:p>
+            <a:pPr lvl="0">
+              <a:spcBef>
+                <a:spcPts val="0"/>
+              </a:spcBef>
+              <a:buNone/>
+            </a:pPr>
+            <a:r>
+              <a:t/>
+            </a:r>
+            <a:endParaRPr/>
+          </a:p>
+        </p:txBody>
+      </p:sp>
+      <p:sp>
+        <p:nvSpPr>
+          <p:cNvPr id="174" name="Shape 174"/>
+          <p:cNvSpPr/>
+          <p:nvPr>
+            <p:ph idx="2" type="sldImg"/>
+          </p:nvPr>
+        </p:nvSpPr>
+        <p:spPr>
+          <a:xfrm>
+            <a:off x="1143225" y="685800"/>
+            <a:ext cx="4572225" cy="3429000"/>
+          </a:xfrm>
+          <a:custGeom>
+            <a:pathLst>
+              <a:path extrusionOk="0" h="120000" w="120000">
+                <a:moveTo>
+                  <a:pt x="0" y="0"/>
+                </a:moveTo>
+                <a:lnTo>
+                  <a:pt x="120000" y="0"/>
+                </a:lnTo>
+                <a:lnTo>
+                  <a:pt x="120000" y="120000"/>
+                </a:lnTo>
+                <a:lnTo>
+                  <a:pt x="0" y="120000"/>
+                </a:lnTo>
+                <a:close/>
+              </a:path>
+            </a:pathLst>
+          </a:custGeom>
+        </p:spPr>
       </p:sp>
     </p:spTree>
   </p:cSld>
@@ -1152,6 +1249,101 @@
             </a:pathLst>
           </a:custGeom>
         </p:spPr>
+      </p:sp>
+    </p:spTree>
+  </p:cSld>
+  <p:clrMapOvr>
+    <a:masterClrMapping/>
+  </p:clrMapOvr>
+</p:notes>
+</file>
+
+<file path=ppt/notesSlides/notesSlide9.xml><?xml version="1.0" encoding="utf-8"?>
+<p:notes xmlns:a="http://schemas.openxmlformats.org/drawingml/2006/main" xmlns:r="http://schemas.openxmlformats.org/officeDocument/2006/relationships" xmlns:mc="http://schemas.openxmlformats.org/markup-compatibility/2006" xmlns:mv="urn:schemas-microsoft-com:mac:vml" xmlns:p="http://schemas.openxmlformats.org/presentationml/2006/main" xmlns:c="http://schemas.openxmlformats.org/drawingml/2006/chart" xmlns:dgm="http://schemas.openxmlformats.org/drawingml/2006/diagram" xmlns:o="urn:schemas-microsoft-com:office:office" xmlns:v="urn:schemas-microsoft-com:vml" xmlns:pvml="urn:schemas-microsoft-com:office:powerpoint" xmlns:com="http://schemas.openxmlformats.org/drawingml/2006/compatibility" xmlns:p14="http://schemas.microsoft.com/office/powerpoint/2010/main" showMasterPhAnim="0" showMasterSp="0">
+  <p:cSld>
+    <p:spTree>
+      <p:nvGrpSpPr>
+        <p:cNvPr id="183" name="Shape 183"/>
+        <p:cNvGrpSpPr/>
+        <p:nvPr/>
+      </p:nvGrpSpPr>
+      <p:grpSpPr>
+        <a:xfrm>
+          <a:off x="0" y="0"/>
+          <a:ext cx="0" cy="0"/>
+          <a:chOff x="0" y="0"/>
+          <a:chExt cx="0" cy="0"/>
+        </a:xfrm>
+      </p:grpSpPr>
+      <p:sp>
+        <p:nvSpPr>
+          <p:cNvPr id="184" name="Shape 184"/>
+          <p:cNvSpPr/>
+          <p:nvPr>
+            <p:ph idx="2" type="sldImg"/>
+          </p:nvPr>
+        </p:nvSpPr>
+        <p:spPr>
+          <a:xfrm>
+            <a:off x="1143225" y="685800"/>
+            <a:ext cx="4572300" cy="3429000"/>
+          </a:xfrm>
+          <a:custGeom>
+            <a:pathLst>
+              <a:path extrusionOk="0" h="120000" w="120000">
+                <a:moveTo>
+                  <a:pt x="0" y="0"/>
+                </a:moveTo>
+                <a:lnTo>
+                  <a:pt x="120000" y="0"/>
+                </a:lnTo>
+                <a:lnTo>
+                  <a:pt x="120000" y="120000"/>
+                </a:lnTo>
+                <a:lnTo>
+                  <a:pt x="0" y="120000"/>
+                </a:lnTo>
+                <a:close/>
+              </a:path>
+            </a:pathLst>
+          </a:custGeom>
+        </p:spPr>
+      </p:sp>
+      <p:sp>
+        <p:nvSpPr>
+          <p:cNvPr id="185" name="Shape 185"/>
+          <p:cNvSpPr txBox="1"/>
+          <p:nvPr>
+            <p:ph idx="1" type="body"/>
+          </p:nvPr>
+        </p:nvSpPr>
+        <p:spPr>
+          <a:xfrm>
+            <a:off x="685800" y="4343400"/>
+            <a:ext cx="5486400" cy="4114800"/>
+          </a:xfrm>
+          <a:prstGeom prst="rect">
+            <a:avLst/>
+          </a:prstGeom>
+        </p:spPr>
+        <p:txBody>
+          <a:bodyPr anchorCtr="0" anchor="t" bIns="91425" lIns="91425" rIns="91425" tIns="91425">
+            <a:noAutofit/>
+          </a:bodyPr>
+          <a:lstStyle/>
+          <a:p>
+            <a:pPr lvl="0">
+              <a:spcBef>
+                <a:spcPts val="0"/>
+              </a:spcBef>
+              <a:buNone/>
+            </a:pPr>
+            <a:r>
+              <a:t/>
+            </a:r>
+            <a:endParaRPr/>
+          </a:p>
+        </p:txBody>
       </p:sp>
     </p:spTree>
   </p:cSld>
@@ -17254,6 +17446,205 @@
 </p:sld>
 </file>
 
+<file path=ppt/slides/slide10.xml><?xml version="1.0" encoding="utf-8"?>
+<p:sld xmlns:a="http://schemas.openxmlformats.org/drawingml/2006/main" xmlns:r="http://schemas.openxmlformats.org/officeDocument/2006/relationships" xmlns:mc="http://schemas.openxmlformats.org/markup-compatibility/2006" xmlns:mv="urn:schemas-microsoft-com:mac:vml" xmlns:p="http://schemas.openxmlformats.org/presentationml/2006/main" xmlns:c="http://schemas.openxmlformats.org/drawingml/2006/chart" xmlns:dgm="http://schemas.openxmlformats.org/drawingml/2006/diagram" xmlns:o="urn:schemas-microsoft-com:office:office" xmlns:v="urn:schemas-microsoft-com:vml" xmlns:pvml="urn:schemas-microsoft-com:office:powerpoint" xmlns:com="http://schemas.openxmlformats.org/drawingml/2006/compatibility" xmlns:p14="http://schemas.microsoft.com/office/powerpoint/2010/main">
+  <p:cSld>
+    <p:spTree>
+      <p:nvGrpSpPr>
+        <p:cNvPr id="191" name="Shape 191"/>
+        <p:cNvGrpSpPr/>
+        <p:nvPr/>
+      </p:nvGrpSpPr>
+      <p:grpSpPr>
+        <a:xfrm>
+          <a:off x="0" y="0"/>
+          <a:ext cx="0" cy="0"/>
+          <a:chOff x="0" y="0"/>
+          <a:chExt cx="0" cy="0"/>
+        </a:xfrm>
+      </p:grpSpPr>
+      <p:sp>
+        <p:nvSpPr>
+          <p:cNvPr id="192" name="Shape 192"/>
+          <p:cNvSpPr txBox="1"/>
+          <p:nvPr>
+            <p:ph type="title"/>
+          </p:nvPr>
+        </p:nvSpPr>
+        <p:spPr>
+          <a:xfrm>
+            <a:off x="677333" y="609600"/>
+            <a:ext cx="8596668" cy="1320800"/>
+          </a:xfrm>
+          <a:prstGeom prst="rect">
+            <a:avLst/>
+          </a:prstGeom>
+          <a:noFill/>
+          <a:ln>
+            <a:noFill/>
+          </a:ln>
+        </p:spPr>
+        <p:txBody>
+          <a:bodyPr anchorCtr="0" anchor="t" bIns="45700" lIns="91425" rIns="91425" tIns="45700">
+            <a:noAutofit/>
+          </a:bodyPr>
+          <a:lstStyle/>
+          <a:p>
+            <a:pPr indent="0" lvl="0" marL="0" marR="0" rtl="0" algn="l">
+              <a:spcBef>
+                <a:spcPts val="0"/>
+              </a:spcBef>
+              <a:buClr>
+                <a:schemeClr val="accent1"/>
+              </a:buClr>
+              <a:buSzPct val="25000"/>
+              <a:buFont typeface="Trebuchet MS"/>
+              <a:buNone/>
+            </a:pPr>
+            <a:r>
+              <a:rPr b="0" i="0" lang="en-US" sz="3600" u="none" cap="none" strike="noStrike">
+                <a:solidFill>
+                  <a:schemeClr val="accent1"/>
+                </a:solidFill>
+                <a:latin typeface="Trebuchet MS"/>
+                <a:ea typeface="Trebuchet MS"/>
+                <a:cs typeface="Trebuchet MS"/>
+                <a:sym typeface="Trebuchet MS"/>
+              </a:rPr>
+              <a:t>Summary</a:t>
+            </a:r>
+          </a:p>
+        </p:txBody>
+      </p:sp>
+      <p:sp>
+        <p:nvSpPr>
+          <p:cNvPr id="193" name="Shape 193"/>
+          <p:cNvSpPr txBox="1"/>
+          <p:nvPr>
+            <p:ph idx="1" type="body"/>
+          </p:nvPr>
+        </p:nvSpPr>
+        <p:spPr>
+          <a:xfrm>
+            <a:off x="677333" y="2160589"/>
+            <a:ext cx="8596668" cy="3880773"/>
+          </a:xfrm>
+          <a:prstGeom prst="rect">
+            <a:avLst/>
+          </a:prstGeom>
+          <a:noFill/>
+          <a:ln>
+            <a:noFill/>
+          </a:ln>
+        </p:spPr>
+        <p:txBody>
+          <a:bodyPr anchorCtr="0" anchor="t" bIns="45700" lIns="91425" rIns="91425" tIns="45700">
+            <a:noAutofit/>
+          </a:bodyPr>
+          <a:lstStyle/>
+          <a:p>
+            <a:pPr indent="-342900" lvl="0" marL="342900" marR="0" rtl="0" algn="l">
+              <a:lnSpc>
+                <a:spcPct val="180000"/>
+              </a:lnSpc>
+              <a:spcBef>
+                <a:spcPts val="0"/>
+              </a:spcBef>
+              <a:spcAft>
+                <a:spcPts val="0"/>
+              </a:spcAft>
+              <a:buClr>
+                <a:schemeClr val="accent1"/>
+              </a:buClr>
+              <a:buSzPct val="79609"/>
+              <a:buFont typeface="Noto Sans Symbols"/>
+              <a:buChar char="▶"/>
+            </a:pPr>
+            <a:r>
+              <a:rPr b="0" i="0" lang="en-US" sz="4080" u="none" cap="none" strike="noStrike">
+                <a:solidFill>
+                  <a:srgbClr val="3F3F3F"/>
+                </a:solidFill>
+                <a:latin typeface="Trebuchet MS"/>
+                <a:ea typeface="Trebuchet MS"/>
+                <a:cs typeface="Trebuchet MS"/>
+                <a:sym typeface="Trebuchet MS"/>
+              </a:rPr>
+              <a:t>The Fan Zone</a:t>
+            </a:r>
+          </a:p>
+          <a:p>
+            <a:pPr indent="-342900" lvl="0" marL="342900" marR="0" rtl="0" algn="l">
+              <a:lnSpc>
+                <a:spcPct val="180000"/>
+              </a:lnSpc>
+              <a:spcBef>
+                <a:spcPts val="1000"/>
+              </a:spcBef>
+              <a:spcAft>
+                <a:spcPts val="0"/>
+              </a:spcAft>
+              <a:buClr>
+                <a:schemeClr val="accent1"/>
+              </a:buClr>
+              <a:buSzPct val="79609"/>
+              <a:buFont typeface="Noto Sans Symbols"/>
+              <a:buChar char="▶"/>
+            </a:pPr>
+            <a:r>
+              <a:rPr b="0" i="0" lang="en-US" sz="4080" u="none" cap="none" strike="noStrike">
+                <a:solidFill>
+                  <a:srgbClr val="3F3F3F"/>
+                </a:solidFill>
+                <a:latin typeface="Trebuchet MS"/>
+                <a:ea typeface="Trebuchet MS"/>
+                <a:cs typeface="Trebuchet MS"/>
+                <a:sym typeface="Trebuchet MS"/>
+              </a:rPr>
+              <a:t>The Problem</a:t>
+            </a:r>
+          </a:p>
+          <a:p>
+            <a:pPr indent="-342900" lvl="0" marL="342900" marR="0" rtl="0" algn="l">
+              <a:lnSpc>
+                <a:spcPct val="180000"/>
+              </a:lnSpc>
+              <a:spcBef>
+                <a:spcPts val="1000"/>
+              </a:spcBef>
+              <a:spcAft>
+                <a:spcPts val="0"/>
+              </a:spcAft>
+              <a:buClr>
+                <a:schemeClr val="accent1"/>
+              </a:buClr>
+              <a:buSzPct val="79609"/>
+              <a:buFont typeface="Noto Sans Symbols"/>
+              <a:buChar char="▶"/>
+            </a:pPr>
+            <a:r>
+              <a:rPr b="0" i="0" lang="en-US" sz="4080" u="none" cap="none" strike="noStrike">
+                <a:solidFill>
+                  <a:srgbClr val="3F3F3F"/>
+                </a:solidFill>
+                <a:latin typeface="Trebuchet MS"/>
+                <a:ea typeface="Trebuchet MS"/>
+                <a:cs typeface="Trebuchet MS"/>
+                <a:sym typeface="Trebuchet MS"/>
+              </a:rPr>
+              <a:t>The Solution</a:t>
+            </a:r>
+          </a:p>
+        </p:txBody>
+      </p:sp>
+    </p:spTree>
+  </p:cSld>
+  <p:clrMapOvr>
+    <a:masterClrMapping/>
+  </p:clrMapOvr>
+</p:sld>
+</file>
+
 <file path=ppt/slides/slide2.xml><?xml version="1.0" encoding="utf-8"?>
 <p:sld xmlns:a="http://schemas.openxmlformats.org/drawingml/2006/main" xmlns:r="http://schemas.openxmlformats.org/officeDocument/2006/relationships" xmlns:mc="http://schemas.openxmlformats.org/markup-compatibility/2006" xmlns:mv="urn:schemas-microsoft-com:mac:vml" xmlns:p="http://schemas.openxmlformats.org/presentationml/2006/main" xmlns:c="http://schemas.openxmlformats.org/drawingml/2006/chart" xmlns:dgm="http://schemas.openxmlformats.org/drawingml/2006/diagram" xmlns:o="urn:schemas-microsoft-com:office:office" xmlns:v="urn:schemas-microsoft-com:vml" xmlns:pvml="urn:schemas-microsoft-com:office:powerpoint" xmlns:com="http://schemas.openxmlformats.org/drawingml/2006/compatibility" xmlns:p14="http://schemas.microsoft.com/office/powerpoint/2010/main">
   <p:cSld>
@@ -17538,23 +17929,22 @@
       </p:grpSpPr>
       <p:pic>
         <p:nvPicPr>
-          <p:cNvPr descr="IMAG0084.jpg" id="161" name="Shape 161"/>
+          <p:cNvPr id="161" name="Shape 161"/>
           <p:cNvPicPr preferRelativeResize="0"/>
-          <p:nvPr>
-            <p:ph idx="1" type="body"/>
-          </p:nvPr>
+          <p:nvPr/>
         </p:nvPicPr>
-        <p:blipFill rotWithShape="1">
+        <p:blipFill>
           <a:blip r:embed="rId3">
             <a:alphaModFix/>
           </a:blip>
-          <a:srcRect b="0" l="0" r="0" t="0"/>
-          <a:stretch/>
+          <a:stretch>
+            <a:fillRect/>
+          </a:stretch>
         </p:blipFill>
         <p:spPr>
           <a:xfrm>
-            <a:off x="2733922" y="376651"/>
-            <a:ext cx="4468736" cy="5958317"/>
+            <a:off x="1058550" y="1661125"/>
+            <a:ext cx="7690374" cy="3372375"/>
           </a:xfrm>
           <a:prstGeom prst="rect">
             <a:avLst/>
@@ -17590,9 +17980,116 @@
           <a:chExt cx="0" cy="0"/>
         </a:xfrm>
       </p:grpSpPr>
+      <p:pic>
+        <p:nvPicPr>
+          <p:cNvPr descr="IMAG0084.jpg" id="166" name="Shape 166"/>
+          <p:cNvPicPr preferRelativeResize="0"/>
+          <p:nvPr>
+            <p:ph idx="1" type="body"/>
+          </p:nvPr>
+        </p:nvPicPr>
+        <p:blipFill rotWithShape="1">
+          <a:blip r:embed="rId3">
+            <a:alphaModFix/>
+          </a:blip>
+          <a:srcRect b="0" l="0" r="0" t="0"/>
+          <a:stretch/>
+        </p:blipFill>
+        <p:spPr>
+          <a:xfrm>
+            <a:off x="2733922" y="376651"/>
+            <a:ext cx="4468736" cy="5958317"/>
+          </a:xfrm>
+          <a:prstGeom prst="rect">
+            <a:avLst/>
+          </a:prstGeom>
+          <a:noFill/>
+          <a:ln>
+            <a:noFill/>
+          </a:ln>
+        </p:spPr>
+      </p:pic>
+    </p:spTree>
+  </p:cSld>
+  <p:clrMapOvr>
+    <a:masterClrMapping/>
+  </p:clrMapOvr>
+</p:sld>
+</file>
+
+<file path=ppt/slides/slide6.xml><?xml version="1.0" encoding="utf-8"?>
+<p:sld xmlns:a="http://schemas.openxmlformats.org/drawingml/2006/main" xmlns:r="http://schemas.openxmlformats.org/officeDocument/2006/relationships" xmlns:mc="http://schemas.openxmlformats.org/markup-compatibility/2006" xmlns:mv="urn:schemas-microsoft-com:mac:vml" xmlns:p="http://schemas.openxmlformats.org/presentationml/2006/main" xmlns:c="http://schemas.openxmlformats.org/drawingml/2006/chart" xmlns:dgm="http://schemas.openxmlformats.org/drawingml/2006/diagram" xmlns:o="urn:schemas-microsoft-com:office:office" xmlns:v="urn:schemas-microsoft-com:vml" xmlns:pvml="urn:schemas-microsoft-com:office:powerpoint" xmlns:com="http://schemas.openxmlformats.org/drawingml/2006/compatibility" xmlns:p14="http://schemas.microsoft.com/office/powerpoint/2010/main">
+  <p:cSld>
+    <p:spTree>
+      <p:nvGrpSpPr>
+        <p:cNvPr id="170" name="Shape 170"/>
+        <p:cNvGrpSpPr/>
+        <p:nvPr/>
+      </p:nvGrpSpPr>
+      <p:grpSpPr>
+        <a:xfrm>
+          <a:off x="0" y="0"/>
+          <a:ext cx="0" cy="0"/>
+          <a:chOff x="0" y="0"/>
+          <a:chExt cx="0" cy="0"/>
+        </a:xfrm>
+      </p:grpSpPr>
+      <p:pic>
+        <p:nvPicPr>
+          <p:cNvPr id="171" name="Shape 171"/>
+          <p:cNvPicPr preferRelativeResize="0"/>
+          <p:nvPr/>
+        </p:nvPicPr>
+        <p:blipFill>
+          <a:blip r:embed="rId3">
+            <a:alphaModFix/>
+          </a:blip>
+          <a:stretch>
+            <a:fillRect/>
+          </a:stretch>
+        </p:blipFill>
+        <p:spPr>
+          <a:xfrm>
+            <a:off x="2676536" y="380761"/>
+            <a:ext cx="5463724" cy="6096474"/>
+          </a:xfrm>
+          <a:prstGeom prst="rect">
+            <a:avLst/>
+          </a:prstGeom>
+          <a:noFill/>
+          <a:ln>
+            <a:noFill/>
+          </a:ln>
+        </p:spPr>
+      </p:pic>
+    </p:spTree>
+  </p:cSld>
+  <p:clrMapOvr>
+    <a:masterClrMapping/>
+  </p:clrMapOvr>
+</p:sld>
+</file>
+
+<file path=ppt/slides/slide7.xml><?xml version="1.0" encoding="utf-8"?>
+<p:sld xmlns:a="http://schemas.openxmlformats.org/drawingml/2006/main" xmlns:r="http://schemas.openxmlformats.org/officeDocument/2006/relationships" xmlns:mc="http://schemas.openxmlformats.org/markup-compatibility/2006" xmlns:mv="urn:schemas-microsoft-com:mac:vml" xmlns:p="http://schemas.openxmlformats.org/presentationml/2006/main" xmlns:c="http://schemas.openxmlformats.org/drawingml/2006/chart" xmlns:dgm="http://schemas.openxmlformats.org/drawingml/2006/diagram" xmlns:o="urn:schemas-microsoft-com:office:office" xmlns:v="urn:schemas-microsoft-com:vml" xmlns:pvml="urn:schemas-microsoft-com:office:powerpoint" xmlns:com="http://schemas.openxmlformats.org/drawingml/2006/compatibility" xmlns:p14="http://schemas.microsoft.com/office/powerpoint/2010/main">
+  <p:cSld>
+    <p:spTree>
+      <p:nvGrpSpPr>
+        <p:cNvPr id="175" name="Shape 175"/>
+        <p:cNvGrpSpPr/>
+        <p:nvPr/>
+      </p:nvGrpSpPr>
+      <p:grpSpPr>
+        <a:xfrm>
+          <a:off x="0" y="0"/>
+          <a:ext cx="0" cy="0"/>
+          <a:chOff x="0" y="0"/>
+          <a:chExt cx="0" cy="0"/>
+        </a:xfrm>
+      </p:grpSpPr>
       <p:sp>
         <p:nvSpPr>
-          <p:cNvPr id="166" name="Shape 166"/>
+          <p:cNvPr id="176" name="Shape 176"/>
           <p:cNvSpPr txBox="1"/>
           <p:nvPr>
             <p:ph type="title"/>
@@ -17645,7 +18142,7 @@
       </p:sp>
       <p:pic>
         <p:nvPicPr>
-          <p:cNvPr descr="Image result for inflow" id="167" name="Shape 167"/>
+          <p:cNvPr descr="Image result for inflow" id="177" name="Shape 177"/>
           <p:cNvPicPr preferRelativeResize="0"/>
           <p:nvPr>
             <p:ph idx="1" type="body"/>
@@ -17662,113 +18159,6 @@
           <a:xfrm>
             <a:off x="677333" y="1817552"/>
             <a:ext cx="8878528" cy="3331223"/>
-          </a:xfrm>
-          <a:prstGeom prst="rect">
-            <a:avLst/>
-          </a:prstGeom>
-          <a:noFill/>
-          <a:ln>
-            <a:noFill/>
-          </a:ln>
-        </p:spPr>
-      </p:pic>
-    </p:spTree>
-  </p:cSld>
-  <p:clrMapOvr>
-    <a:masterClrMapping/>
-  </p:clrMapOvr>
-</p:sld>
-</file>
-
-<file path=ppt/slides/slide6.xml><?xml version="1.0" encoding="utf-8"?>
-<p:sld xmlns:a="http://schemas.openxmlformats.org/drawingml/2006/main" xmlns:r="http://schemas.openxmlformats.org/officeDocument/2006/relationships" xmlns:mc="http://schemas.openxmlformats.org/markup-compatibility/2006" xmlns:mv="urn:schemas-microsoft-com:mac:vml" xmlns:p="http://schemas.openxmlformats.org/presentationml/2006/main" xmlns:c="http://schemas.openxmlformats.org/drawingml/2006/chart" xmlns:dgm="http://schemas.openxmlformats.org/drawingml/2006/diagram" xmlns:o="urn:schemas-microsoft-com:office:office" xmlns:v="urn:schemas-microsoft-com:vml" xmlns:pvml="urn:schemas-microsoft-com:office:powerpoint" xmlns:com="http://schemas.openxmlformats.org/drawingml/2006/compatibility" xmlns:p14="http://schemas.microsoft.com/office/powerpoint/2010/main">
-  <p:cSld>
-    <p:spTree>
-      <p:nvGrpSpPr>
-        <p:cNvPr id="171" name="Shape 171"/>
-        <p:cNvGrpSpPr/>
-        <p:nvPr/>
-      </p:nvGrpSpPr>
-      <p:grpSpPr>
-        <a:xfrm>
-          <a:off x="0" y="0"/>
-          <a:ext cx="0" cy="0"/>
-          <a:chOff x="0" y="0"/>
-          <a:chExt cx="0" cy="0"/>
-        </a:xfrm>
-      </p:grpSpPr>
-      <p:pic>
-        <p:nvPicPr>
-          <p:cNvPr descr="Image result for inflow" id="172" name="Shape 172"/>
-          <p:cNvPicPr preferRelativeResize="0"/>
-          <p:nvPr>
-            <p:ph idx="1" type="body"/>
-          </p:nvPr>
-        </p:nvPicPr>
-        <p:blipFill rotWithShape="1">
-          <a:blip r:embed="rId3">
-            <a:alphaModFix/>
-          </a:blip>
-          <a:srcRect b="0" l="0" r="0" t="0"/>
-          <a:stretch/>
-        </p:blipFill>
-        <p:spPr>
-          <a:xfrm>
-            <a:off x="1289745" y="742412"/>
-            <a:ext cx="7438200" cy="5334900"/>
-          </a:xfrm>
-          <a:prstGeom prst="rect">
-            <a:avLst/>
-          </a:prstGeom>
-          <a:noFill/>
-          <a:ln>
-            <a:noFill/>
-          </a:ln>
-        </p:spPr>
-      </p:pic>
-    </p:spTree>
-  </p:cSld>
-  <p:clrMapOvr>
-    <a:masterClrMapping/>
-  </p:clrMapOvr>
-</p:sld>
-</file>
-
-<file path=ppt/slides/slide7.xml><?xml version="1.0" encoding="utf-8"?>
-<p:sld xmlns:a="http://schemas.openxmlformats.org/drawingml/2006/main" xmlns:r="http://schemas.openxmlformats.org/officeDocument/2006/relationships" xmlns:mc="http://schemas.openxmlformats.org/markup-compatibility/2006" xmlns:mv="urn:schemas-microsoft-com:mac:vml" xmlns:p="http://schemas.openxmlformats.org/presentationml/2006/main" xmlns:c="http://schemas.openxmlformats.org/drawingml/2006/chart" xmlns:dgm="http://schemas.openxmlformats.org/drawingml/2006/diagram" xmlns:o="urn:schemas-microsoft-com:office:office" xmlns:v="urn:schemas-microsoft-com:vml" xmlns:pvml="urn:schemas-microsoft-com:office:powerpoint" xmlns:com="http://schemas.openxmlformats.org/drawingml/2006/compatibility" xmlns:p14="http://schemas.microsoft.com/office/powerpoint/2010/main">
-  <p:cSld>
-    <p:spTree>
-      <p:nvGrpSpPr>
-        <p:cNvPr id="176" name="Shape 176"/>
-        <p:cNvGrpSpPr/>
-        <p:nvPr/>
-      </p:nvGrpSpPr>
-      <p:grpSpPr>
-        <a:xfrm>
-          <a:off x="0" y="0"/>
-          <a:ext cx="0" cy="0"/>
-          <a:chOff x="0" y="0"/>
-          <a:chExt cx="0" cy="0"/>
-        </a:xfrm>
-      </p:grpSpPr>
-      <p:pic>
-        <p:nvPicPr>
-          <p:cNvPr id="177" name="Shape 177"/>
-          <p:cNvPicPr preferRelativeResize="0"/>
-          <p:nvPr/>
-        </p:nvPicPr>
-        <p:blipFill>
-          <a:blip r:embed="rId3">
-            <a:alphaModFix/>
-          </a:blip>
-          <a:stretch>
-            <a:fillRect/>
-          </a:stretch>
-        </p:blipFill>
-        <p:spPr>
-          <a:xfrm>
-            <a:off x="1496099" y="867699"/>
-            <a:ext cx="7084249" cy="5122624"/>
           </a:xfrm>
           <a:prstGeom prst="rect">
             <a:avLst/>
@@ -17804,18 +18194,25 @@
           <a:chExt cx="0" cy="0"/>
         </a:xfrm>
       </p:grpSpPr>
-      <p:sp>
-        <p:nvSpPr>
-          <p:cNvPr id="182" name="Shape 182"/>
-          <p:cNvSpPr txBox="1"/>
+      <p:pic>
+        <p:nvPicPr>
+          <p:cNvPr descr="Image result for inflow" id="182" name="Shape 182"/>
+          <p:cNvPicPr preferRelativeResize="0"/>
           <p:nvPr>
-            <p:ph type="title"/>
+            <p:ph idx="1" type="body"/>
           </p:nvPr>
-        </p:nvSpPr>
+        </p:nvPicPr>
+        <p:blipFill rotWithShape="1">
+          <a:blip r:embed="rId3">
+            <a:alphaModFix/>
+          </a:blip>
+          <a:srcRect b="0" l="0" r="0" t="0"/>
+          <a:stretch/>
+        </p:blipFill>
         <p:spPr>
           <a:xfrm>
-            <a:off x="677333" y="609600"/>
-            <a:ext cx="8596668" cy="1320800"/>
+            <a:off x="1289745" y="742412"/>
+            <a:ext cx="7438200" cy="5334900"/>
           </a:xfrm>
           <a:prstGeom prst="rect">
             <a:avLst/>
@@ -17825,50 +18222,50 @@
             <a:noFill/>
           </a:ln>
         </p:spPr>
-        <p:txBody>
-          <a:bodyPr anchorCtr="0" anchor="t" bIns="45700" lIns="91425" rIns="91425" tIns="45700">
-            <a:noAutofit/>
-          </a:bodyPr>
-          <a:lstStyle/>
-          <a:p>
-            <a:pPr indent="0" lvl="0" marL="0" marR="0" rtl="0" algn="l">
-              <a:spcBef>
-                <a:spcPts val="0"/>
-              </a:spcBef>
-              <a:buClr>
-                <a:schemeClr val="accent1"/>
-              </a:buClr>
-              <a:buSzPct val="25000"/>
-              <a:buFont typeface="Trebuchet MS"/>
-              <a:buNone/>
-            </a:pPr>
-            <a:r>
-              <a:rPr b="0" i="0" lang="en-US" sz="3600" u="none" cap="none" strike="noStrike">
-                <a:solidFill>
-                  <a:schemeClr val="accent1"/>
-                </a:solidFill>
-                <a:latin typeface="Trebuchet MS"/>
-                <a:ea typeface="Trebuchet MS"/>
-                <a:cs typeface="Trebuchet MS"/>
-                <a:sym typeface="Trebuchet MS"/>
-              </a:rPr>
-              <a:t>Summary</a:t>
-            </a:r>
-          </a:p>
-        </p:txBody>
-      </p:sp>
-      <p:sp>
-        <p:nvSpPr>
-          <p:cNvPr id="183" name="Shape 183"/>
-          <p:cNvSpPr txBox="1"/>
-          <p:nvPr>
-            <p:ph idx="1" type="body"/>
-          </p:nvPr>
-        </p:nvSpPr>
+      </p:pic>
+    </p:spTree>
+  </p:cSld>
+  <p:clrMapOvr>
+    <a:masterClrMapping/>
+  </p:clrMapOvr>
+</p:sld>
+</file>
+
+<file path=ppt/slides/slide9.xml><?xml version="1.0" encoding="utf-8"?>
+<p:sld xmlns:a="http://schemas.openxmlformats.org/drawingml/2006/main" xmlns:r="http://schemas.openxmlformats.org/officeDocument/2006/relationships" xmlns:mc="http://schemas.openxmlformats.org/markup-compatibility/2006" xmlns:mv="urn:schemas-microsoft-com:mac:vml" xmlns:p="http://schemas.openxmlformats.org/presentationml/2006/main" xmlns:c="http://schemas.openxmlformats.org/drawingml/2006/chart" xmlns:dgm="http://schemas.openxmlformats.org/drawingml/2006/diagram" xmlns:o="urn:schemas-microsoft-com:office:office" xmlns:v="urn:schemas-microsoft-com:vml" xmlns:pvml="urn:schemas-microsoft-com:office:powerpoint" xmlns:com="http://schemas.openxmlformats.org/drawingml/2006/compatibility" xmlns:p14="http://schemas.microsoft.com/office/powerpoint/2010/main">
+  <p:cSld>
+    <p:spTree>
+      <p:nvGrpSpPr>
+        <p:cNvPr id="186" name="Shape 186"/>
+        <p:cNvGrpSpPr/>
+        <p:nvPr/>
+      </p:nvGrpSpPr>
+      <p:grpSpPr>
+        <a:xfrm>
+          <a:off x="0" y="0"/>
+          <a:ext cx="0" cy="0"/>
+          <a:chOff x="0" y="0"/>
+          <a:chExt cx="0" cy="0"/>
+        </a:xfrm>
+      </p:grpSpPr>
+      <p:pic>
+        <p:nvPicPr>
+          <p:cNvPr id="187" name="Shape 187"/>
+          <p:cNvPicPr preferRelativeResize="0"/>
+          <p:nvPr/>
+        </p:nvPicPr>
+        <p:blipFill>
+          <a:blip r:embed="rId3">
+            <a:alphaModFix/>
+          </a:blip>
+          <a:stretch>
+            <a:fillRect/>
+          </a:stretch>
+        </p:blipFill>
         <p:spPr>
           <a:xfrm>
-            <a:off x="677333" y="2160589"/>
-            <a:ext cx="8596668" cy="3880773"/>
+            <a:off x="1496099" y="867699"/>
+            <a:ext cx="7084249" cy="5122624"/>
           </a:xfrm>
           <a:prstGeom prst="rect">
             <a:avLst/>
@@ -17878,106 +18275,7 @@
             <a:noFill/>
           </a:ln>
         </p:spPr>
-        <p:txBody>
-          <a:bodyPr anchorCtr="0" anchor="t" bIns="45700" lIns="91425" rIns="91425" tIns="45700">
-            <a:noAutofit/>
-          </a:bodyPr>
-          <a:lstStyle/>
-          <a:p>
-            <a:pPr indent="-342900" lvl="0" marL="342900" marR="0" rtl="0" algn="l">
-              <a:lnSpc>
-                <a:spcPct val="180000"/>
-              </a:lnSpc>
-              <a:spcBef>
-                <a:spcPts val="0"/>
-              </a:spcBef>
-              <a:spcAft>
-                <a:spcPts val="0"/>
-              </a:spcAft>
-              <a:buClr>
-                <a:schemeClr val="accent1"/>
-              </a:buClr>
-              <a:buSzPct val="79609"/>
-              <a:buFont typeface="Noto Sans Symbols"/>
-              <a:buChar char="▶"/>
-            </a:pPr>
-            <a:r>
-              <a:rPr b="0" i="0" lang="en-US" sz="4080" u="none" cap="none" strike="noStrike">
-                <a:solidFill>
-                  <a:srgbClr val="3F3F3F"/>
-                </a:solidFill>
-                <a:latin typeface="Trebuchet MS"/>
-                <a:ea typeface="Trebuchet MS"/>
-                <a:cs typeface="Trebuchet MS"/>
-                <a:sym typeface="Trebuchet MS"/>
-              </a:rPr>
-              <a:t>The Fan Zone</a:t>
-            </a:r>
-          </a:p>
-          <a:p>
-            <a:pPr indent="-342900" lvl="0" marL="342900" marR="0" rtl="0" algn="l">
-              <a:lnSpc>
-                <a:spcPct val="180000"/>
-              </a:lnSpc>
-              <a:spcBef>
-                <a:spcPts val="1000"/>
-              </a:spcBef>
-              <a:spcAft>
-                <a:spcPts val="0"/>
-              </a:spcAft>
-              <a:buClr>
-                <a:schemeClr val="accent1"/>
-              </a:buClr>
-              <a:buSzPct val="79609"/>
-              <a:buFont typeface="Noto Sans Symbols"/>
-              <a:buChar char="▶"/>
-            </a:pPr>
-            <a:r>
-              <a:rPr b="0" i="0" lang="en-US" sz="4080" u="none" cap="none" strike="noStrike">
-                <a:solidFill>
-                  <a:srgbClr val="3F3F3F"/>
-                </a:solidFill>
-                <a:latin typeface="Trebuchet MS"/>
-                <a:ea typeface="Trebuchet MS"/>
-                <a:cs typeface="Trebuchet MS"/>
-                <a:sym typeface="Trebuchet MS"/>
-              </a:rPr>
-              <a:t>The Problem</a:t>
-            </a:r>
-          </a:p>
-          <a:p>
-            <a:pPr indent="-342900" lvl="0" marL="342900" marR="0" rtl="0" algn="l">
-              <a:lnSpc>
-                <a:spcPct val="180000"/>
-              </a:lnSpc>
-              <a:spcBef>
-                <a:spcPts val="1000"/>
-              </a:spcBef>
-              <a:spcAft>
-                <a:spcPts val="0"/>
-              </a:spcAft>
-              <a:buClr>
-                <a:schemeClr val="accent1"/>
-              </a:buClr>
-              <a:buSzPct val="79609"/>
-              <a:buFont typeface="Noto Sans Symbols"/>
-              <a:buChar char="▶"/>
-            </a:pPr>
-            <a:r>
-              <a:rPr b="0" i="0" lang="en-US" sz="4080" u="none" cap="none" strike="noStrike">
-                <a:solidFill>
-                  <a:srgbClr val="3F3F3F"/>
-                </a:solidFill>
-                <a:latin typeface="Trebuchet MS"/>
-                <a:ea typeface="Trebuchet MS"/>
-                <a:cs typeface="Trebuchet MS"/>
-                <a:sym typeface="Trebuchet MS"/>
-              </a:rPr>
-              <a:t>The Solution</a:t>
-            </a:r>
-          </a:p>
-        </p:txBody>
-      </p:sp>
+      </p:pic>
     </p:spTree>
   </p:cSld>
   <p:clrMapOvr>
@@ -17987,6 +18285,285 @@
 </file>
 
 <file path=ppt/theme/theme1.xml><?xml version="1.0" encoding="utf-8"?>
+<a:theme xmlns:a="http://schemas.openxmlformats.org/drawingml/2006/main" xmlns:r="http://schemas.openxmlformats.org/officeDocument/2006/relationships" name="Custom Theme">
+  <a:themeElements>
+    <a:clrScheme name="Default">
+      <a:dk1>
+        <a:srgbClr val="000000"/>
+      </a:dk1>
+      <a:lt1>
+        <a:srgbClr val="FFFFFF"/>
+      </a:lt1>
+      <a:dk2>
+        <a:srgbClr val="158158"/>
+      </a:dk2>
+      <a:lt2>
+        <a:srgbClr val="F3F3F3"/>
+      </a:lt2>
+      <a:accent1>
+        <a:srgbClr val="058DC7"/>
+      </a:accent1>
+      <a:accent2>
+        <a:srgbClr val="50B432"/>
+      </a:accent2>
+      <a:accent3>
+        <a:srgbClr val="ED561B"/>
+      </a:accent3>
+      <a:accent4>
+        <a:srgbClr val="EDEF00"/>
+      </a:accent4>
+      <a:accent5>
+        <a:srgbClr val="24CBE5"/>
+      </a:accent5>
+      <a:accent6>
+        <a:srgbClr val="64E572"/>
+      </a:accent6>
+      <a:hlink>
+        <a:srgbClr val="2200CC"/>
+      </a:hlink>
+      <a:folHlink>
+        <a:srgbClr val="551A8B"/>
+      </a:folHlink>
+    </a:clrScheme>
+    <a:fontScheme name="Office">
+      <a:majorFont>
+        <a:latin typeface="Arial"/>
+        <a:ea typeface=""/>
+        <a:cs typeface=""/>
+        <a:font script="Jpan" typeface="ＭＳ Ｐゴシック"/>
+        <a:font script="Hang" typeface="맑은 고딕"/>
+        <a:font script="Hans" typeface="宋体"/>
+        <a:font script="Hant" typeface="新細明體"/>
+        <a:font script="Arab" typeface="Times New Roman"/>
+        <a:font script="Hebr" typeface="Times New Roman"/>
+        <a:font script="Thai" typeface="Angsana New"/>
+        <a:font script="Ethi" typeface="Nyala"/>
+        <a:font script="Beng" typeface="Vrinda"/>
+        <a:font script="Gujr" typeface="Shruti"/>
+        <a:font script="Khmr" typeface="MoolBoran"/>
+        <a:font script="Knda" typeface="Tunga"/>
+        <a:font script="Guru" typeface="Raavi"/>
+        <a:font script="Cans" typeface="Euphemia"/>
+        <a:font script="Cher" typeface="Plantagenet Cherokee"/>
+        <a:font script="Yiii" typeface="Microsoft Yi Baiti"/>
+        <a:font script="Tibt" typeface="Microsoft Himalaya"/>
+        <a:font script="Thaa" typeface="MV Boli"/>
+        <a:font script="Deva" typeface="Mangal"/>
+        <a:font script="Telu" typeface="Gautami"/>
+        <a:font script="Taml" typeface="Latha"/>
+        <a:font script="Syrc" typeface="Estrangelo Edessa"/>
+        <a:font script="Orya" typeface="Kalinga"/>
+        <a:font script="Mlym" typeface="Kartika"/>
+        <a:font script="Laoo" typeface="DokChampa"/>
+        <a:font script="Sinh" typeface="Iskoola Pota"/>
+        <a:font script="Mong" typeface="Mongolian Baiti"/>
+        <a:font script="Viet" typeface="Times New Roman"/>
+        <a:font script="Uigh" typeface="Microsoft Uighur"/>
+        <a:font script="Geor" typeface="Sylfaen"/>
+      </a:majorFont>
+      <a:minorFont>
+        <a:latin typeface="Arial"/>
+        <a:ea typeface=""/>
+        <a:cs typeface=""/>
+        <a:font script="Jpan" typeface="ＭＳ Ｐゴシック"/>
+        <a:font script="Hang" typeface="맑은 고딕"/>
+        <a:font script="Hans" typeface="宋体"/>
+        <a:font script="Hant" typeface="新細明體"/>
+        <a:font script="Arab" typeface="Arial"/>
+        <a:font script="Hebr" typeface="Arial"/>
+        <a:font script="Thai" typeface="Cordia New"/>
+        <a:font script="Ethi" typeface="Nyala"/>
+        <a:font script="Beng" typeface="Vrinda"/>
+        <a:font script="Gujr" typeface="Shruti"/>
+        <a:font script="Khmr" typeface="DaunPenh"/>
+        <a:font script="Knda" typeface="Tunga"/>
+        <a:font script="Guru" typeface="Raavi"/>
+        <a:font script="Cans" typeface="Euphemia"/>
+        <a:font script="Cher" typeface="Plantagenet Cherokee"/>
+        <a:font script="Yiii" typeface="Microsoft Yi Baiti"/>
+        <a:font script="Tibt" typeface="Microsoft Himalaya"/>
+        <a:font script="Thaa" typeface="MV Boli"/>
+        <a:font script="Deva" typeface="Mangal"/>
+        <a:font script="Telu" typeface="Gautami"/>
+        <a:font script="Taml" typeface="Latha"/>
+        <a:font script="Syrc" typeface="Estrangelo Edessa"/>
+        <a:font script="Orya" typeface="Kalinga"/>
+        <a:font script="Mlym" typeface="Kartika"/>
+        <a:font script="Laoo" typeface="DokChampa"/>
+        <a:font script="Sinh" typeface="Iskoola Pota"/>
+        <a:font script="Mong" typeface="Mongolian Baiti"/>
+        <a:font script="Viet" typeface="Arial"/>
+        <a:font script="Uigh" typeface="Microsoft Uighur"/>
+        <a:font script="Geor" typeface="Sylfaen"/>
+      </a:minorFont>
+    </a:fontScheme>
+    <a:fmtScheme name="Office">
+      <a:fillStyleLst>
+        <a:solidFill>
+          <a:schemeClr val="phClr"/>
+        </a:solidFill>
+        <a:gradFill rotWithShape="1">
+          <a:gsLst>
+            <a:gs pos="0">
+              <a:schemeClr val="phClr">
+                <a:tint val="50000"/>
+                <a:satMod val="300000"/>
+              </a:schemeClr>
+            </a:gs>
+            <a:gs pos="35000">
+              <a:schemeClr val="phClr">
+                <a:tint val="37000"/>
+                <a:satMod val="300000"/>
+              </a:schemeClr>
+            </a:gs>
+            <a:gs pos="100000">
+              <a:schemeClr val="phClr">
+                <a:tint val="15000"/>
+                <a:satMod val="350000"/>
+              </a:schemeClr>
+            </a:gs>
+          </a:gsLst>
+          <a:lin ang="16200000" scaled="1"/>
+        </a:gradFill>
+        <a:gradFill rotWithShape="1">
+          <a:gsLst>
+            <a:gs pos="0">
+              <a:schemeClr val="phClr">
+                <a:tint val="100000"/>
+                <a:shade val="100000"/>
+                <a:satMod val="130000"/>
+              </a:schemeClr>
+            </a:gs>
+            <a:gs pos="100000">
+              <a:schemeClr val="phClr">
+                <a:tint val="50000"/>
+                <a:shade val="100000"/>
+                <a:satMod val="350000"/>
+              </a:schemeClr>
+            </a:gs>
+          </a:gsLst>
+          <a:lin ang="16200000" scaled="0"/>
+        </a:gradFill>
+      </a:fillStyleLst>
+      <a:lnStyleLst>
+        <a:ln w="9525" cap="flat" cmpd="sng" algn="ctr">
+          <a:solidFill>
+            <a:schemeClr val="phClr">
+              <a:shade val="95000"/>
+              <a:satMod val="105000"/>
+            </a:schemeClr>
+          </a:solidFill>
+          <a:prstDash val="solid"/>
+        </a:ln>
+        <a:ln w="25400" cap="flat" cmpd="sng" algn="ctr">
+          <a:solidFill>
+            <a:schemeClr val="phClr"/>
+          </a:solidFill>
+          <a:prstDash val="solid"/>
+        </a:ln>
+        <a:ln w="38100" cap="flat" cmpd="sng" algn="ctr">
+          <a:solidFill>
+            <a:schemeClr val="phClr"/>
+          </a:solidFill>
+          <a:prstDash val="solid"/>
+        </a:ln>
+      </a:lnStyleLst>
+      <a:effectStyleLst>
+        <a:effectStyle>
+          <a:effectLst>
+            <a:outerShdw blurRad="40000" dist="20000" dir="5400000" rotWithShape="0">
+              <a:srgbClr val="000000">
+                <a:alpha val="38000"/>
+              </a:srgbClr>
+            </a:outerShdw>
+          </a:effectLst>
+        </a:effectStyle>
+        <a:effectStyle>
+          <a:effectLst>
+            <a:outerShdw blurRad="40000" dist="23000" dir="5400000" rotWithShape="0">
+              <a:srgbClr val="000000">
+                <a:alpha val="35000"/>
+              </a:srgbClr>
+            </a:outerShdw>
+          </a:effectLst>
+        </a:effectStyle>
+        <a:effectStyle>
+          <a:effectLst>
+            <a:outerShdw blurRad="40000" dist="23000" dir="5400000" rotWithShape="0">
+              <a:srgbClr val="000000">
+                <a:alpha val="35000"/>
+              </a:srgbClr>
+            </a:outerShdw>
+          </a:effectLst>
+          <a:scene3d>
+            <a:camera prst="orthographicFront">
+              <a:rot lat="0" lon="0" rev="0"/>
+            </a:camera>
+            <a:lightRig rig="threePt" dir="t">
+              <a:rot lat="0" lon="0" rev="1200000"/>
+            </a:lightRig>
+          </a:scene3d>
+          <a:sp3d>
+            <a:bevelT w="63500" h="25400"/>
+          </a:sp3d>
+        </a:effectStyle>
+      </a:effectStyleLst>
+      <a:bgFillStyleLst>
+        <a:solidFill>
+          <a:schemeClr val="phClr"/>
+        </a:solidFill>
+        <a:gradFill rotWithShape="1">
+          <a:gsLst>
+            <a:gs pos="0">
+              <a:schemeClr val="phClr">
+                <a:tint val="40000"/>
+                <a:satMod val="350000"/>
+              </a:schemeClr>
+            </a:gs>
+            <a:gs pos="40000">
+              <a:schemeClr val="phClr">
+                <a:tint val="45000"/>
+                <a:shade val="99000"/>
+                <a:satMod val="350000"/>
+              </a:schemeClr>
+            </a:gs>
+            <a:gs pos="100000">
+              <a:schemeClr val="phClr">
+                <a:shade val="20000"/>
+                <a:satMod val="255000"/>
+              </a:schemeClr>
+            </a:gs>
+          </a:gsLst>
+          <a:path path="circle">
+            <a:fillToRect l="50000" t="-80000" r="50000" b="180000"/>
+          </a:path>
+        </a:gradFill>
+        <a:gradFill rotWithShape="1">
+          <a:gsLst>
+            <a:gs pos="0">
+              <a:schemeClr val="phClr">
+                <a:tint val="80000"/>
+                <a:satMod val="300000"/>
+              </a:schemeClr>
+            </a:gs>
+            <a:gs pos="100000">
+              <a:schemeClr val="phClr">
+                <a:shade val="30000"/>
+                <a:satMod val="200000"/>
+              </a:schemeClr>
+            </a:gs>
+          </a:gsLst>
+          <a:path path="circle">
+            <a:fillToRect l="50000" t="50000" r="50000" b="50000"/>
+          </a:path>
+        </a:gradFill>
+      </a:bgFillStyleLst>
+    </a:fmtScheme>
+  </a:themeElements>
+</a:theme>
+</file>
+
+<file path=ppt/theme/theme2.xml><?xml version="1.0" encoding="utf-8"?>
 <a:theme xmlns:a="http://schemas.openxmlformats.org/drawingml/2006/main" xmlns:r="http://schemas.openxmlformats.org/officeDocument/2006/relationships" name="Facet">
   <a:themeElements>
     <a:clrScheme name="Red">
@@ -18263,283 +18840,4 @@
     </a:fmtScheme>
   </a:themeElements>
 </a:theme>
-</file>
-
-<file path=ppt/theme/theme2.xml><?xml version="1.0" encoding="utf-8"?>
-<a:theme xmlns:a="http://schemas.openxmlformats.org/drawingml/2006/main" xmlns:r="http://schemas.openxmlformats.org/officeDocument/2006/relationships" name="Custom Theme">
-  <a:themeElements>
-    <a:clrScheme name="Default">
-      <a:dk1>
-        <a:srgbClr val="000000"/>
-      </a:dk1>
-      <a:lt1>
-        <a:srgbClr val="FFFFFF"/>
-      </a:lt1>
-      <a:dk2>
-        <a:srgbClr val="158158"/>
-      </a:dk2>
-      <a:lt2>
-        <a:srgbClr val="F3F3F3"/>
-      </a:lt2>
-      <a:accent1>
-        <a:srgbClr val="058DC7"/>
-      </a:accent1>
-      <a:accent2>
-        <a:srgbClr val="50B432"/>
-      </a:accent2>
-      <a:accent3>
-        <a:srgbClr val="ED561B"/>
-      </a:accent3>
-      <a:accent4>
-        <a:srgbClr val="EDEF00"/>
-      </a:accent4>
-      <a:accent5>
-        <a:srgbClr val="24CBE5"/>
-      </a:accent5>
-      <a:accent6>
-        <a:srgbClr val="64E572"/>
-      </a:accent6>
-      <a:hlink>
-        <a:srgbClr val="2200CC"/>
-      </a:hlink>
-      <a:folHlink>
-        <a:srgbClr val="551A8B"/>
-      </a:folHlink>
-    </a:clrScheme>
-    <a:fontScheme name="Office">
-      <a:majorFont>
-        <a:latin typeface="Arial"/>
-        <a:ea typeface=""/>
-        <a:cs typeface=""/>
-        <a:font script="Jpan" typeface="ＭＳ Ｐゴシック"/>
-        <a:font script="Hang" typeface="맑은 고딕"/>
-        <a:font script="Hans" typeface="宋体"/>
-        <a:font script="Hant" typeface="新細明體"/>
-        <a:font script="Arab" typeface="Times New Roman"/>
-        <a:font script="Hebr" typeface="Times New Roman"/>
-        <a:font script="Thai" typeface="Angsana New"/>
-        <a:font script="Ethi" typeface="Nyala"/>
-        <a:font script="Beng" typeface="Vrinda"/>
-        <a:font script="Gujr" typeface="Shruti"/>
-        <a:font script="Khmr" typeface="MoolBoran"/>
-        <a:font script="Knda" typeface="Tunga"/>
-        <a:font script="Guru" typeface="Raavi"/>
-        <a:font script="Cans" typeface="Euphemia"/>
-        <a:font script="Cher" typeface="Plantagenet Cherokee"/>
-        <a:font script="Yiii" typeface="Microsoft Yi Baiti"/>
-        <a:font script="Tibt" typeface="Microsoft Himalaya"/>
-        <a:font script="Thaa" typeface="MV Boli"/>
-        <a:font script="Deva" typeface="Mangal"/>
-        <a:font script="Telu" typeface="Gautami"/>
-        <a:font script="Taml" typeface="Latha"/>
-        <a:font script="Syrc" typeface="Estrangelo Edessa"/>
-        <a:font script="Orya" typeface="Kalinga"/>
-        <a:font script="Mlym" typeface="Kartika"/>
-        <a:font script="Laoo" typeface="DokChampa"/>
-        <a:font script="Sinh" typeface="Iskoola Pota"/>
-        <a:font script="Mong" typeface="Mongolian Baiti"/>
-        <a:font script="Viet" typeface="Times New Roman"/>
-        <a:font script="Uigh" typeface="Microsoft Uighur"/>
-        <a:font script="Geor" typeface="Sylfaen"/>
-      </a:majorFont>
-      <a:minorFont>
-        <a:latin typeface="Arial"/>
-        <a:ea typeface=""/>
-        <a:cs typeface=""/>
-        <a:font script="Jpan" typeface="ＭＳ Ｐゴシック"/>
-        <a:font script="Hang" typeface="맑은 고딕"/>
-        <a:font script="Hans" typeface="宋体"/>
-        <a:font script="Hant" typeface="新細明體"/>
-        <a:font script="Arab" typeface="Arial"/>
-        <a:font script="Hebr" typeface="Arial"/>
-        <a:font script="Thai" typeface="Cordia New"/>
-        <a:font script="Ethi" typeface="Nyala"/>
-        <a:font script="Beng" typeface="Vrinda"/>
-        <a:font script="Gujr" typeface="Shruti"/>
-        <a:font script="Khmr" typeface="DaunPenh"/>
-        <a:font script="Knda" typeface="Tunga"/>
-        <a:font script="Guru" typeface="Raavi"/>
-        <a:font script="Cans" typeface="Euphemia"/>
-        <a:font script="Cher" typeface="Plantagenet Cherokee"/>
-        <a:font script="Yiii" typeface="Microsoft Yi Baiti"/>
-        <a:font script="Tibt" typeface="Microsoft Himalaya"/>
-        <a:font script="Thaa" typeface="MV Boli"/>
-        <a:font script="Deva" typeface="Mangal"/>
-        <a:font script="Telu" typeface="Gautami"/>
-        <a:font script="Taml" typeface="Latha"/>
-        <a:font script="Syrc" typeface="Estrangelo Edessa"/>
-        <a:font script="Orya" typeface="Kalinga"/>
-        <a:font script="Mlym" typeface="Kartika"/>
-        <a:font script="Laoo" typeface="DokChampa"/>
-        <a:font script="Sinh" typeface="Iskoola Pota"/>
-        <a:font script="Mong" typeface="Mongolian Baiti"/>
-        <a:font script="Viet" typeface="Arial"/>
-        <a:font script="Uigh" typeface="Microsoft Uighur"/>
-        <a:font script="Geor" typeface="Sylfaen"/>
-      </a:minorFont>
-    </a:fontScheme>
-    <a:fmtScheme name="Office">
-      <a:fillStyleLst>
-        <a:solidFill>
-          <a:schemeClr val="phClr"/>
-        </a:solidFill>
-        <a:gradFill rotWithShape="1">
-          <a:gsLst>
-            <a:gs pos="0">
-              <a:schemeClr val="phClr">
-                <a:tint val="50000"/>
-                <a:satMod val="300000"/>
-              </a:schemeClr>
-            </a:gs>
-            <a:gs pos="35000">
-              <a:schemeClr val="phClr">
-                <a:tint val="37000"/>
-                <a:satMod val="300000"/>
-              </a:schemeClr>
-            </a:gs>
-            <a:gs pos="100000">
-              <a:schemeClr val="phClr">
-                <a:tint val="15000"/>
-                <a:satMod val="350000"/>
-              </a:schemeClr>
-            </a:gs>
-          </a:gsLst>
-          <a:lin ang="16200000" scaled="1"/>
-        </a:gradFill>
-        <a:gradFill rotWithShape="1">
-          <a:gsLst>
-            <a:gs pos="0">
-              <a:schemeClr val="phClr">
-                <a:tint val="100000"/>
-                <a:shade val="100000"/>
-                <a:satMod val="130000"/>
-              </a:schemeClr>
-            </a:gs>
-            <a:gs pos="100000">
-              <a:schemeClr val="phClr">
-                <a:tint val="50000"/>
-                <a:shade val="100000"/>
-                <a:satMod val="350000"/>
-              </a:schemeClr>
-            </a:gs>
-          </a:gsLst>
-          <a:lin ang="16200000" scaled="0"/>
-        </a:gradFill>
-      </a:fillStyleLst>
-      <a:lnStyleLst>
-        <a:ln w="9525" cap="flat" cmpd="sng" algn="ctr">
-          <a:solidFill>
-            <a:schemeClr val="phClr">
-              <a:shade val="95000"/>
-              <a:satMod val="105000"/>
-            </a:schemeClr>
-          </a:solidFill>
-          <a:prstDash val="solid"/>
-        </a:ln>
-        <a:ln w="25400" cap="flat" cmpd="sng" algn="ctr">
-          <a:solidFill>
-            <a:schemeClr val="phClr"/>
-          </a:solidFill>
-          <a:prstDash val="solid"/>
-        </a:ln>
-        <a:ln w="38100" cap="flat" cmpd="sng" algn="ctr">
-          <a:solidFill>
-            <a:schemeClr val="phClr"/>
-          </a:solidFill>
-          <a:prstDash val="solid"/>
-        </a:ln>
-      </a:lnStyleLst>
-      <a:effectStyleLst>
-        <a:effectStyle>
-          <a:effectLst>
-            <a:outerShdw blurRad="40000" dist="20000" dir="5400000" rotWithShape="0">
-              <a:srgbClr val="000000">
-                <a:alpha val="38000"/>
-              </a:srgbClr>
-            </a:outerShdw>
-          </a:effectLst>
-        </a:effectStyle>
-        <a:effectStyle>
-          <a:effectLst>
-            <a:outerShdw blurRad="40000" dist="23000" dir="5400000" rotWithShape="0">
-              <a:srgbClr val="000000">
-                <a:alpha val="35000"/>
-              </a:srgbClr>
-            </a:outerShdw>
-          </a:effectLst>
-        </a:effectStyle>
-        <a:effectStyle>
-          <a:effectLst>
-            <a:outerShdw blurRad="40000" dist="23000" dir="5400000" rotWithShape="0">
-              <a:srgbClr val="000000">
-                <a:alpha val="35000"/>
-              </a:srgbClr>
-            </a:outerShdw>
-          </a:effectLst>
-          <a:scene3d>
-            <a:camera prst="orthographicFront">
-              <a:rot lat="0" lon="0" rev="0"/>
-            </a:camera>
-            <a:lightRig rig="threePt" dir="t">
-              <a:rot lat="0" lon="0" rev="1200000"/>
-            </a:lightRig>
-          </a:scene3d>
-          <a:sp3d>
-            <a:bevelT w="63500" h="25400"/>
-          </a:sp3d>
-        </a:effectStyle>
-      </a:effectStyleLst>
-      <a:bgFillStyleLst>
-        <a:solidFill>
-          <a:schemeClr val="phClr"/>
-        </a:solidFill>
-        <a:gradFill rotWithShape="1">
-          <a:gsLst>
-            <a:gs pos="0">
-              <a:schemeClr val="phClr">
-                <a:tint val="40000"/>
-                <a:satMod val="350000"/>
-              </a:schemeClr>
-            </a:gs>
-            <a:gs pos="40000">
-              <a:schemeClr val="phClr">
-                <a:tint val="45000"/>
-                <a:shade val="99000"/>
-                <a:satMod val="350000"/>
-              </a:schemeClr>
-            </a:gs>
-            <a:gs pos="100000">
-              <a:schemeClr val="phClr">
-                <a:shade val="20000"/>
-                <a:satMod val="255000"/>
-              </a:schemeClr>
-            </a:gs>
-          </a:gsLst>
-          <a:path path="circle">
-            <a:fillToRect l="50000" t="-80000" r="50000" b="180000"/>
-          </a:path>
-        </a:gradFill>
-        <a:gradFill rotWithShape="1">
-          <a:gsLst>
-            <a:gs pos="0">
-              <a:schemeClr val="phClr">
-                <a:tint val="80000"/>
-                <a:satMod val="300000"/>
-              </a:schemeClr>
-            </a:gs>
-            <a:gs pos="100000">
-              <a:schemeClr val="phClr">
-                <a:shade val="30000"/>
-                <a:satMod val="200000"/>
-              </a:schemeClr>
-            </a:gs>
-          </a:gsLst>
-          <a:path path="circle">
-            <a:fillToRect l="50000" t="50000" r="50000" b="50000"/>
-          </a:path>
-        </a:gradFill>
-      </a:bgFillStyleLst>
-    </a:fmtScheme>
-  </a:themeElements>
-</a:theme>
 </file>
--- a/GroupOneSite/src/GroupOneSite/wwwroot/MilestoneDocuments/Presentation 1.pptx
+++ b/GroupOneSite/src/GroupOneSite/wwwroot/MilestoneDocuments/Presentation 1.pptx
@@ -18,6 +18,8 @@
     <p:sldId id="263" r:id="rId12"/>
     <p:sldId id="264" r:id="rId13"/>
     <p:sldId id="265" r:id="rId14"/>
+    <p:sldId id="266" r:id="rId15"/>
+    <p:sldId id="267" r:id="rId16"/>
   </p:sldIdLst>
   <p:sldSz cy="6858000" cx="12192000"/>
   <p:notesSz cx="6858000" cy="9144000"/>
@@ -479,7 +481,7 @@
   <p:cSld>
     <p:spTree>
       <p:nvGrpSpPr>
-        <p:cNvPr id="188" name="Shape 188"/>
+        <p:cNvPr id="193" name="Shape 193"/>
         <p:cNvGrpSpPr/>
         <p:nvPr/>
       </p:nvGrpSpPr>
@@ -493,7 +495,7 @@
       </p:grpSpPr>
       <p:sp>
         <p:nvSpPr>
-          <p:cNvPr id="189" name="Shape 189"/>
+          <p:cNvPr id="194" name="Shape 194"/>
           <p:cNvSpPr txBox="1"/>
           <p:nvPr>
             <p:ph idx="1" type="body"/>
@@ -533,7 +535,201 @@
       </p:sp>
       <p:sp>
         <p:nvSpPr>
-          <p:cNvPr id="190" name="Shape 190"/>
+          <p:cNvPr id="195" name="Shape 195"/>
+          <p:cNvSpPr/>
+          <p:nvPr>
+            <p:ph idx="2" type="sldImg"/>
+          </p:nvPr>
+        </p:nvSpPr>
+        <p:spPr>
+          <a:xfrm>
+            <a:off x="1143225" y="685800"/>
+            <a:ext cx="4572225" cy="3429000"/>
+          </a:xfrm>
+          <a:custGeom>
+            <a:pathLst>
+              <a:path extrusionOk="0" h="120000" w="120000">
+                <a:moveTo>
+                  <a:pt x="0" y="0"/>
+                </a:moveTo>
+                <a:lnTo>
+                  <a:pt x="120000" y="0"/>
+                </a:lnTo>
+                <a:lnTo>
+                  <a:pt x="120000" y="120000"/>
+                </a:lnTo>
+                <a:lnTo>
+                  <a:pt x="0" y="120000"/>
+                </a:lnTo>
+                <a:close/>
+              </a:path>
+            </a:pathLst>
+          </a:custGeom>
+        </p:spPr>
+      </p:sp>
+    </p:spTree>
+  </p:cSld>
+  <p:clrMapOvr>
+    <a:masterClrMapping/>
+  </p:clrMapOvr>
+</p:notes>
+</file>
+
+<file path=ppt/notesSlides/notesSlide11.xml><?xml version="1.0" encoding="utf-8"?>
+<p:notes xmlns:a="http://schemas.openxmlformats.org/drawingml/2006/main" xmlns:r="http://schemas.openxmlformats.org/officeDocument/2006/relationships" xmlns:mc="http://schemas.openxmlformats.org/markup-compatibility/2006" xmlns:mv="urn:schemas-microsoft-com:mac:vml" xmlns:p="http://schemas.openxmlformats.org/presentationml/2006/main" xmlns:c="http://schemas.openxmlformats.org/drawingml/2006/chart" xmlns:dgm="http://schemas.openxmlformats.org/drawingml/2006/diagram" xmlns:o="urn:schemas-microsoft-com:office:office" xmlns:v="urn:schemas-microsoft-com:vml" xmlns:pvml="urn:schemas-microsoft-com:office:powerpoint" xmlns:com="http://schemas.openxmlformats.org/drawingml/2006/compatibility" xmlns:p14="http://schemas.microsoft.com/office/powerpoint/2010/main" showMasterPhAnim="0" showMasterSp="0">
+  <p:cSld>
+    <p:spTree>
+      <p:nvGrpSpPr>
+        <p:cNvPr id="198" name="Shape 198"/>
+        <p:cNvGrpSpPr/>
+        <p:nvPr/>
+      </p:nvGrpSpPr>
+      <p:grpSpPr>
+        <a:xfrm>
+          <a:off x="0" y="0"/>
+          <a:ext cx="0" cy="0"/>
+          <a:chOff x="0" y="0"/>
+          <a:chExt cx="0" cy="0"/>
+        </a:xfrm>
+      </p:grpSpPr>
+      <p:sp>
+        <p:nvSpPr>
+          <p:cNvPr id="199" name="Shape 199"/>
+          <p:cNvSpPr/>
+          <p:nvPr>
+            <p:ph idx="2" type="sldImg"/>
+          </p:nvPr>
+        </p:nvSpPr>
+        <p:spPr>
+          <a:xfrm>
+            <a:off x="1143225" y="685800"/>
+            <a:ext cx="4572300" cy="3429000"/>
+          </a:xfrm>
+          <a:custGeom>
+            <a:pathLst>
+              <a:path extrusionOk="0" h="120000" w="120000">
+                <a:moveTo>
+                  <a:pt x="0" y="0"/>
+                </a:moveTo>
+                <a:lnTo>
+                  <a:pt x="120000" y="0"/>
+                </a:lnTo>
+                <a:lnTo>
+                  <a:pt x="120000" y="120000"/>
+                </a:lnTo>
+                <a:lnTo>
+                  <a:pt x="0" y="120000"/>
+                </a:lnTo>
+                <a:close/>
+              </a:path>
+            </a:pathLst>
+          </a:custGeom>
+        </p:spPr>
+      </p:sp>
+      <p:sp>
+        <p:nvSpPr>
+          <p:cNvPr id="200" name="Shape 200"/>
+          <p:cNvSpPr txBox="1"/>
+          <p:nvPr>
+            <p:ph idx="1" type="body"/>
+          </p:nvPr>
+        </p:nvSpPr>
+        <p:spPr>
+          <a:xfrm>
+            <a:off x="685800" y="4343400"/>
+            <a:ext cx="5486400" cy="4114800"/>
+          </a:xfrm>
+          <a:prstGeom prst="rect">
+            <a:avLst/>
+          </a:prstGeom>
+        </p:spPr>
+        <p:txBody>
+          <a:bodyPr anchorCtr="0" anchor="t" bIns="91425" lIns="91425" rIns="91425" tIns="91425">
+            <a:noAutofit/>
+          </a:bodyPr>
+          <a:lstStyle/>
+          <a:p>
+            <a:pPr lvl="0">
+              <a:spcBef>
+                <a:spcPts val="0"/>
+              </a:spcBef>
+              <a:buNone/>
+            </a:pPr>
+            <a:r>
+              <a:t/>
+            </a:r>
+            <a:endParaRPr/>
+          </a:p>
+        </p:txBody>
+      </p:sp>
+    </p:spTree>
+  </p:cSld>
+  <p:clrMapOvr>
+    <a:masterClrMapping/>
+  </p:clrMapOvr>
+</p:notes>
+</file>
+
+<file path=ppt/notesSlides/notesSlide12.xml><?xml version="1.0" encoding="utf-8"?>
+<p:notes xmlns:a="http://schemas.openxmlformats.org/drawingml/2006/main" xmlns:r="http://schemas.openxmlformats.org/officeDocument/2006/relationships" xmlns:mc="http://schemas.openxmlformats.org/markup-compatibility/2006" xmlns:mv="urn:schemas-microsoft-com:mac:vml" xmlns:p="http://schemas.openxmlformats.org/presentationml/2006/main" xmlns:c="http://schemas.openxmlformats.org/drawingml/2006/chart" xmlns:dgm="http://schemas.openxmlformats.org/drawingml/2006/diagram" xmlns:o="urn:schemas-microsoft-com:office:office" xmlns:v="urn:schemas-microsoft-com:vml" xmlns:pvml="urn:schemas-microsoft-com:office:powerpoint" xmlns:com="http://schemas.openxmlformats.org/drawingml/2006/compatibility" xmlns:p14="http://schemas.microsoft.com/office/powerpoint/2010/main" showMasterPhAnim="0" showMasterSp="0">
+  <p:cSld>
+    <p:spTree>
+      <p:nvGrpSpPr>
+        <p:cNvPr id="203" name="Shape 203"/>
+        <p:cNvGrpSpPr/>
+        <p:nvPr/>
+      </p:nvGrpSpPr>
+      <p:grpSpPr>
+        <a:xfrm>
+          <a:off x="0" y="0"/>
+          <a:ext cx="0" cy="0"/>
+          <a:chOff x="0" y="0"/>
+          <a:chExt cx="0" cy="0"/>
+        </a:xfrm>
+      </p:grpSpPr>
+      <p:sp>
+        <p:nvSpPr>
+          <p:cNvPr id="204" name="Shape 204"/>
+          <p:cNvSpPr txBox="1"/>
+          <p:nvPr>
+            <p:ph idx="1" type="body"/>
+          </p:nvPr>
+        </p:nvSpPr>
+        <p:spPr>
+          <a:xfrm>
+            <a:off x="685800" y="4343400"/>
+            <a:ext cx="5486399" cy="4114800"/>
+          </a:xfrm>
+          <a:prstGeom prst="rect">
+            <a:avLst/>
+          </a:prstGeom>
+          <a:noFill/>
+          <a:ln>
+            <a:noFill/>
+          </a:ln>
+        </p:spPr>
+        <p:txBody>
+          <a:bodyPr anchorCtr="0" anchor="ctr" bIns="91425" lIns="91425" rIns="91425" tIns="91425">
+            <a:noAutofit/>
+          </a:bodyPr>
+          <a:lstStyle/>
+          <a:p>
+            <a:pPr lvl="0">
+              <a:spcBef>
+                <a:spcPts val="0"/>
+              </a:spcBef>
+              <a:buNone/>
+            </a:pPr>
+            <a:r>
+              <a:t/>
+            </a:r>
+            <a:endParaRPr/>
+          </a:p>
+        </p:txBody>
+      </p:sp>
+      <p:sp>
+        <p:nvSpPr>
+          <p:cNvPr id="205" name="Shape 205"/>
           <p:cNvSpPr/>
           <p:nvPr>
             <p:ph idx="2" type="sldImg"/>
@@ -677,7 +873,7 @@
   <p:cSld>
     <p:spTree>
       <p:nvGrpSpPr>
-        <p:cNvPr id="151" name="Shape 151"/>
+        <p:cNvPr id="156" name="Shape 156"/>
         <p:cNvGrpSpPr/>
         <p:nvPr/>
       </p:nvGrpSpPr>
@@ -691,7 +887,7 @@
       </p:grpSpPr>
       <p:sp>
         <p:nvSpPr>
-          <p:cNvPr id="152" name="Shape 152"/>
+          <p:cNvPr id="157" name="Shape 157"/>
           <p:cNvSpPr txBox="1"/>
           <p:nvPr>
             <p:ph idx="1" type="body"/>
@@ -731,7 +927,7 @@
       </p:sp>
       <p:sp>
         <p:nvSpPr>
-          <p:cNvPr id="153" name="Shape 153"/>
+          <p:cNvPr id="158" name="Shape 158"/>
           <p:cNvSpPr/>
           <p:nvPr>
             <p:ph idx="2" type="sldImg"/>
@@ -776,7 +972,7 @@
   <p:cSld>
     <p:spTree>
       <p:nvGrpSpPr>
-        <p:cNvPr id="157" name="Shape 157"/>
+        <p:cNvPr id="162" name="Shape 162"/>
         <p:cNvGrpSpPr/>
         <p:nvPr/>
       </p:nvGrpSpPr>
@@ -790,7 +986,7 @@
       </p:grpSpPr>
       <p:sp>
         <p:nvSpPr>
-          <p:cNvPr id="158" name="Shape 158"/>
+          <p:cNvPr id="163" name="Shape 163"/>
           <p:cNvSpPr/>
           <p:nvPr>
             <p:ph idx="2" type="sldImg"/>
@@ -824,7 +1020,7 @@
       </p:sp>
       <p:sp>
         <p:nvSpPr>
-          <p:cNvPr id="159" name="Shape 159"/>
+          <p:cNvPr id="164" name="Shape 164"/>
           <p:cNvSpPr txBox="1"/>
           <p:nvPr>
             <p:ph idx="1" type="body"/>
@@ -845,7 +1041,7 @@
           </a:bodyPr>
           <a:lstStyle/>
           <a:p>
-            <a:pPr lvl="0">
+            <a:pPr lvl="0" rtl="0">
               <a:spcBef>
                 <a:spcPts val="0"/>
               </a:spcBef>
@@ -871,7 +1067,7 @@
   <p:cSld>
     <p:spTree>
       <p:nvGrpSpPr>
-        <p:cNvPr id="162" name="Shape 162"/>
+        <p:cNvPr id="167" name="Shape 167"/>
         <p:cNvGrpSpPr/>
         <p:nvPr/>
       </p:nvGrpSpPr>
@@ -885,7 +1081,7 @@
       </p:grpSpPr>
       <p:sp>
         <p:nvSpPr>
-          <p:cNvPr id="163" name="Shape 163"/>
+          <p:cNvPr id="168" name="Shape 168"/>
           <p:cNvSpPr txBox="1"/>
           <p:nvPr>
             <p:ph idx="1" type="body"/>
@@ -925,7 +1121,7 @@
       </p:sp>
       <p:sp>
         <p:nvSpPr>
-          <p:cNvPr id="164" name="Shape 164"/>
+          <p:cNvPr id="169" name="Shape 169"/>
           <p:cNvSpPr/>
           <p:nvPr>
             <p:ph idx="2" type="sldImg"/>
@@ -966,101 +1162,6 @@
 </file>
 
 <file path=ppt/notesSlides/notesSlide6.xml><?xml version="1.0" encoding="utf-8"?>
-<p:notes xmlns:a="http://schemas.openxmlformats.org/drawingml/2006/main" xmlns:r="http://schemas.openxmlformats.org/officeDocument/2006/relationships" xmlns:mc="http://schemas.openxmlformats.org/markup-compatibility/2006" xmlns:mv="urn:schemas-microsoft-com:mac:vml" xmlns:p="http://schemas.openxmlformats.org/presentationml/2006/main" xmlns:c="http://schemas.openxmlformats.org/drawingml/2006/chart" xmlns:dgm="http://schemas.openxmlformats.org/drawingml/2006/diagram" xmlns:o="urn:schemas-microsoft-com:office:office" xmlns:v="urn:schemas-microsoft-com:vml" xmlns:pvml="urn:schemas-microsoft-com:office:powerpoint" xmlns:com="http://schemas.openxmlformats.org/drawingml/2006/compatibility" xmlns:p14="http://schemas.microsoft.com/office/powerpoint/2010/main" showMasterPhAnim="0" showMasterSp="0">
-  <p:cSld>
-    <p:spTree>
-      <p:nvGrpSpPr>
-        <p:cNvPr id="167" name="Shape 167"/>
-        <p:cNvGrpSpPr/>
-        <p:nvPr/>
-      </p:nvGrpSpPr>
-      <p:grpSpPr>
-        <a:xfrm>
-          <a:off x="0" y="0"/>
-          <a:ext cx="0" cy="0"/>
-          <a:chOff x="0" y="0"/>
-          <a:chExt cx="0" cy="0"/>
-        </a:xfrm>
-      </p:grpSpPr>
-      <p:sp>
-        <p:nvSpPr>
-          <p:cNvPr id="168" name="Shape 168"/>
-          <p:cNvSpPr/>
-          <p:nvPr>
-            <p:ph idx="2" type="sldImg"/>
-          </p:nvPr>
-        </p:nvSpPr>
-        <p:spPr>
-          <a:xfrm>
-            <a:off x="1143225" y="685800"/>
-            <a:ext cx="4572300" cy="3429000"/>
-          </a:xfrm>
-          <a:custGeom>
-            <a:pathLst>
-              <a:path extrusionOk="0" h="120000" w="120000">
-                <a:moveTo>
-                  <a:pt x="0" y="0"/>
-                </a:moveTo>
-                <a:lnTo>
-                  <a:pt x="120000" y="0"/>
-                </a:lnTo>
-                <a:lnTo>
-                  <a:pt x="120000" y="120000"/>
-                </a:lnTo>
-                <a:lnTo>
-                  <a:pt x="0" y="120000"/>
-                </a:lnTo>
-                <a:close/>
-              </a:path>
-            </a:pathLst>
-          </a:custGeom>
-        </p:spPr>
-      </p:sp>
-      <p:sp>
-        <p:nvSpPr>
-          <p:cNvPr id="169" name="Shape 169"/>
-          <p:cNvSpPr txBox="1"/>
-          <p:nvPr>
-            <p:ph idx="1" type="body"/>
-          </p:nvPr>
-        </p:nvSpPr>
-        <p:spPr>
-          <a:xfrm>
-            <a:off x="685800" y="4343400"/>
-            <a:ext cx="5486400" cy="4114800"/>
-          </a:xfrm>
-          <a:prstGeom prst="rect">
-            <a:avLst/>
-          </a:prstGeom>
-        </p:spPr>
-        <p:txBody>
-          <a:bodyPr anchorCtr="0" anchor="t" bIns="91425" lIns="91425" rIns="91425" tIns="91425">
-            <a:noAutofit/>
-          </a:bodyPr>
-          <a:lstStyle/>
-          <a:p>
-            <a:pPr lvl="0">
-              <a:spcBef>
-                <a:spcPts val="0"/>
-              </a:spcBef>
-              <a:buNone/>
-            </a:pPr>
-            <a:r>
-              <a:t/>
-            </a:r>
-            <a:endParaRPr/>
-          </a:p>
-        </p:txBody>
-      </p:sp>
-    </p:spTree>
-  </p:cSld>
-  <p:clrMapOvr>
-    <a:masterClrMapping/>
-  </p:clrMapOvr>
-</p:notes>
-</file>
-
-<file path=ppt/notesSlides/notesSlide7.xml><?xml version="1.0" encoding="utf-8"?>
 <p:notes xmlns:a="http://schemas.openxmlformats.org/drawingml/2006/main" xmlns:r="http://schemas.openxmlformats.org/officeDocument/2006/relationships" xmlns:mc="http://schemas.openxmlformats.org/markup-compatibility/2006" xmlns:mv="urn:schemas-microsoft-com:mac:vml" xmlns:p="http://schemas.openxmlformats.org/presentationml/2006/main" xmlns:c="http://schemas.openxmlformats.org/drawingml/2006/chart" xmlns:dgm="http://schemas.openxmlformats.org/drawingml/2006/diagram" xmlns:o="urn:schemas-microsoft-com:office:office" xmlns:v="urn:schemas-microsoft-com:vml" xmlns:pvml="urn:schemas-microsoft-com:office:powerpoint" xmlns:com="http://schemas.openxmlformats.org/drawingml/2006/compatibility" xmlns:p14="http://schemas.microsoft.com/office/powerpoint/2010/main" showMasterPhAnim="0" showMasterSp="0">
   <p:cSld>
     <p:spTree>
@@ -1159,7 +1260,7 @@
 </p:notes>
 </file>
 
-<file path=ppt/notesSlides/notesSlide8.xml><?xml version="1.0" encoding="utf-8"?>
+<file path=ppt/notesSlides/notesSlide7.xml><?xml version="1.0" encoding="utf-8"?>
 <p:notes xmlns:a="http://schemas.openxmlformats.org/drawingml/2006/main" xmlns:r="http://schemas.openxmlformats.org/officeDocument/2006/relationships" xmlns:mc="http://schemas.openxmlformats.org/markup-compatibility/2006" xmlns:mv="urn:schemas-microsoft-com:mac:vml" xmlns:p="http://schemas.openxmlformats.org/presentationml/2006/main" xmlns:c="http://schemas.openxmlformats.org/drawingml/2006/chart" xmlns:dgm="http://schemas.openxmlformats.org/drawingml/2006/diagram" xmlns:o="urn:schemas-microsoft-com:office:office" xmlns:v="urn:schemas-microsoft-com:vml" xmlns:pvml="urn:schemas-microsoft-com:office:powerpoint" xmlns:com="http://schemas.openxmlformats.org/drawingml/2006/compatibility" xmlns:p14="http://schemas.microsoft.com/office/powerpoint/2010/main" showMasterPhAnim="0" showMasterSp="0">
   <p:cSld>
     <p:spTree>
@@ -1179,46 +1280,6 @@
       <p:sp>
         <p:nvSpPr>
           <p:cNvPr id="179" name="Shape 179"/>
-          <p:cNvSpPr txBox="1"/>
-          <p:nvPr>
-            <p:ph idx="1" type="body"/>
-          </p:nvPr>
-        </p:nvSpPr>
-        <p:spPr>
-          <a:xfrm>
-            <a:off x="685800" y="4343400"/>
-            <a:ext cx="5486399" cy="4114800"/>
-          </a:xfrm>
-          <a:prstGeom prst="rect">
-            <a:avLst/>
-          </a:prstGeom>
-          <a:noFill/>
-          <a:ln>
-            <a:noFill/>
-          </a:ln>
-        </p:spPr>
-        <p:txBody>
-          <a:bodyPr anchorCtr="0" anchor="ctr" bIns="91425" lIns="91425" rIns="91425" tIns="91425">
-            <a:noAutofit/>
-          </a:bodyPr>
-          <a:lstStyle/>
-          <a:p>
-            <a:pPr lvl="0">
-              <a:spcBef>
-                <a:spcPts val="0"/>
-              </a:spcBef>
-              <a:buNone/>
-            </a:pPr>
-            <a:r>
-              <a:t/>
-            </a:r>
-            <a:endParaRPr/>
-          </a:p>
-        </p:txBody>
-      </p:sp>
-      <p:sp>
-        <p:nvSpPr>
-          <p:cNvPr id="180" name="Shape 180"/>
           <p:cNvSpPr/>
           <p:nvPr>
             <p:ph idx="2" type="sldImg"/>
@@ -1227,7 +1288,7 @@
         <p:spPr>
           <a:xfrm>
             <a:off x="1143225" y="685800"/>
-            <a:ext cx="4572225" cy="3429000"/>
+            <a:ext cx="4572300" cy="3429000"/>
           </a:xfrm>
           <a:custGeom>
             <a:pathLst>
@@ -1250,6 +1311,42 @@
           </a:custGeom>
         </p:spPr>
       </p:sp>
+      <p:sp>
+        <p:nvSpPr>
+          <p:cNvPr id="180" name="Shape 180"/>
+          <p:cNvSpPr txBox="1"/>
+          <p:nvPr>
+            <p:ph idx="1" type="body"/>
+          </p:nvPr>
+        </p:nvSpPr>
+        <p:spPr>
+          <a:xfrm>
+            <a:off x="685800" y="4343400"/>
+            <a:ext cx="5486400" cy="4114800"/>
+          </a:xfrm>
+          <a:prstGeom prst="rect">
+            <a:avLst/>
+          </a:prstGeom>
+        </p:spPr>
+        <p:txBody>
+          <a:bodyPr anchorCtr="0" anchor="t" bIns="91425" lIns="91425" rIns="91425" tIns="91425">
+            <a:noAutofit/>
+          </a:bodyPr>
+          <a:lstStyle/>
+          <a:p>
+            <a:pPr lvl="0" rtl="0">
+              <a:spcBef>
+                <a:spcPts val="0"/>
+              </a:spcBef>
+              <a:buNone/>
+            </a:pPr>
+            <a:r>
+              <a:t/>
+            </a:r>
+            <a:endParaRPr/>
+          </a:p>
+        </p:txBody>
+      </p:sp>
     </p:spTree>
   </p:cSld>
   <p:clrMapOvr>
@@ -1258,7 +1355,7 @@
 </p:notes>
 </file>
 
-<file path=ppt/notesSlides/notesSlide9.xml><?xml version="1.0" encoding="utf-8"?>
+<file path=ppt/notesSlides/notesSlide8.xml><?xml version="1.0" encoding="utf-8"?>
 <p:notes xmlns:a="http://schemas.openxmlformats.org/drawingml/2006/main" xmlns:r="http://schemas.openxmlformats.org/officeDocument/2006/relationships" xmlns:mc="http://schemas.openxmlformats.org/markup-compatibility/2006" xmlns:mv="urn:schemas-microsoft-com:mac:vml" xmlns:p="http://schemas.openxmlformats.org/presentationml/2006/main" xmlns:c="http://schemas.openxmlformats.org/drawingml/2006/chart" xmlns:dgm="http://schemas.openxmlformats.org/drawingml/2006/diagram" xmlns:o="urn:schemas-microsoft-com:office:office" xmlns:v="urn:schemas-microsoft-com:vml" xmlns:pvml="urn:schemas-microsoft-com:office:powerpoint" xmlns:com="http://schemas.openxmlformats.org/drawingml/2006/compatibility" xmlns:p14="http://schemas.microsoft.com/office/powerpoint/2010/main" showMasterPhAnim="0" showMasterSp="0">
   <p:cSld>
     <p:spTree>
@@ -1344,6 +1441,105 @@
             <a:endParaRPr/>
           </a:p>
         </p:txBody>
+      </p:sp>
+    </p:spTree>
+  </p:cSld>
+  <p:clrMapOvr>
+    <a:masterClrMapping/>
+  </p:clrMapOvr>
+</p:notes>
+</file>
+
+<file path=ppt/notesSlides/notesSlide9.xml><?xml version="1.0" encoding="utf-8"?>
+<p:notes xmlns:a="http://schemas.openxmlformats.org/drawingml/2006/main" xmlns:r="http://schemas.openxmlformats.org/officeDocument/2006/relationships" xmlns:mc="http://schemas.openxmlformats.org/markup-compatibility/2006" xmlns:mv="urn:schemas-microsoft-com:mac:vml" xmlns:p="http://schemas.openxmlformats.org/presentationml/2006/main" xmlns:c="http://schemas.openxmlformats.org/drawingml/2006/chart" xmlns:dgm="http://schemas.openxmlformats.org/drawingml/2006/diagram" xmlns:o="urn:schemas-microsoft-com:office:office" xmlns:v="urn:schemas-microsoft-com:vml" xmlns:pvml="urn:schemas-microsoft-com:office:powerpoint" xmlns:com="http://schemas.openxmlformats.org/drawingml/2006/compatibility" xmlns:p14="http://schemas.microsoft.com/office/powerpoint/2010/main" showMasterPhAnim="0" showMasterSp="0">
+  <p:cSld>
+    <p:spTree>
+      <p:nvGrpSpPr>
+        <p:cNvPr id="188" name="Shape 188"/>
+        <p:cNvGrpSpPr/>
+        <p:nvPr/>
+      </p:nvGrpSpPr>
+      <p:grpSpPr>
+        <a:xfrm>
+          <a:off x="0" y="0"/>
+          <a:ext cx="0" cy="0"/>
+          <a:chOff x="0" y="0"/>
+          <a:chExt cx="0" cy="0"/>
+        </a:xfrm>
+      </p:grpSpPr>
+      <p:sp>
+        <p:nvSpPr>
+          <p:cNvPr id="189" name="Shape 189"/>
+          <p:cNvSpPr txBox="1"/>
+          <p:nvPr>
+            <p:ph idx="1" type="body"/>
+          </p:nvPr>
+        </p:nvSpPr>
+        <p:spPr>
+          <a:xfrm>
+            <a:off x="685800" y="4343400"/>
+            <a:ext cx="5486400" cy="4114800"/>
+          </a:xfrm>
+          <a:prstGeom prst="rect">
+            <a:avLst/>
+          </a:prstGeom>
+          <a:noFill/>
+          <a:ln>
+            <a:noFill/>
+          </a:ln>
+        </p:spPr>
+        <p:txBody>
+          <a:bodyPr anchorCtr="0" anchor="ctr" bIns="91425" lIns="91425" rIns="91425" tIns="91425">
+            <a:noAutofit/>
+          </a:bodyPr>
+          <a:lstStyle/>
+          <a:p>
+            <a:pPr lvl="0" rtl="0">
+              <a:spcBef>
+                <a:spcPts val="0"/>
+              </a:spcBef>
+              <a:buNone/>
+            </a:pPr>
+            <a:r>
+              <a:t/>
+            </a:r>
+            <a:endParaRPr/>
+          </a:p>
+        </p:txBody>
+      </p:sp>
+      <p:sp>
+        <p:nvSpPr>
+          <p:cNvPr id="190" name="Shape 190"/>
+          <p:cNvSpPr/>
+          <p:nvPr>
+            <p:ph idx="2" type="sldImg"/>
+          </p:nvPr>
+        </p:nvSpPr>
+        <p:spPr>
+          <a:xfrm>
+            <a:off x="1143225" y="685800"/>
+            <a:ext cx="4572300" cy="3429000"/>
+          </a:xfrm>
+          <a:custGeom>
+            <a:pathLst>
+              <a:path extrusionOk="0" h="120000" w="120000">
+                <a:moveTo>
+                  <a:pt x="0" y="0"/>
+                </a:moveTo>
+                <a:lnTo>
+                  <a:pt x="120000" y="0"/>
+                </a:lnTo>
+                <a:lnTo>
+                  <a:pt x="120000" y="120000"/>
+                </a:lnTo>
+                <a:lnTo>
+                  <a:pt x="0" y="120000"/>
+                </a:lnTo>
+                <a:close/>
+              </a:path>
+            </a:pathLst>
+          </a:custGeom>
+        </p:spPr>
       </p:sp>
     </p:spTree>
   </p:cSld>
@@ -17451,7 +17647,114 @@
   <p:cSld>
     <p:spTree>
       <p:nvGrpSpPr>
-        <p:cNvPr id="191" name="Shape 191"/>
+        <p:cNvPr id="196" name="Shape 196"/>
+        <p:cNvGrpSpPr/>
+        <p:nvPr/>
+      </p:nvGrpSpPr>
+      <p:grpSpPr>
+        <a:xfrm>
+          <a:off x="0" y="0"/>
+          <a:ext cx="0" cy="0"/>
+          <a:chOff x="0" y="0"/>
+          <a:chExt cx="0" cy="0"/>
+        </a:xfrm>
+      </p:grpSpPr>
+      <p:pic>
+        <p:nvPicPr>
+          <p:cNvPr descr="Image result for inflow" id="197" name="Shape 197"/>
+          <p:cNvPicPr preferRelativeResize="0"/>
+          <p:nvPr>
+            <p:ph idx="1" type="body"/>
+          </p:nvPr>
+        </p:nvPicPr>
+        <p:blipFill rotWithShape="1">
+          <a:blip r:embed="rId3">
+            <a:alphaModFix/>
+          </a:blip>
+          <a:srcRect b="0" l="0" r="0" t="0"/>
+          <a:stretch/>
+        </p:blipFill>
+        <p:spPr>
+          <a:xfrm>
+            <a:off x="1289745" y="742412"/>
+            <a:ext cx="7438200" cy="5334900"/>
+          </a:xfrm>
+          <a:prstGeom prst="rect">
+            <a:avLst/>
+          </a:prstGeom>
+          <a:noFill/>
+          <a:ln>
+            <a:noFill/>
+          </a:ln>
+        </p:spPr>
+      </p:pic>
+    </p:spTree>
+  </p:cSld>
+  <p:clrMapOvr>
+    <a:masterClrMapping/>
+  </p:clrMapOvr>
+</p:sld>
+</file>
+
+<file path=ppt/slides/slide11.xml><?xml version="1.0" encoding="utf-8"?>
+<p:sld xmlns:a="http://schemas.openxmlformats.org/drawingml/2006/main" xmlns:r="http://schemas.openxmlformats.org/officeDocument/2006/relationships" xmlns:mc="http://schemas.openxmlformats.org/markup-compatibility/2006" xmlns:mv="urn:schemas-microsoft-com:mac:vml" xmlns:p="http://schemas.openxmlformats.org/presentationml/2006/main" xmlns:c="http://schemas.openxmlformats.org/drawingml/2006/chart" xmlns:dgm="http://schemas.openxmlformats.org/drawingml/2006/diagram" xmlns:o="urn:schemas-microsoft-com:office:office" xmlns:v="urn:schemas-microsoft-com:vml" xmlns:pvml="urn:schemas-microsoft-com:office:powerpoint" xmlns:com="http://schemas.openxmlformats.org/drawingml/2006/compatibility" xmlns:p14="http://schemas.microsoft.com/office/powerpoint/2010/main">
+  <p:cSld>
+    <p:spTree>
+      <p:nvGrpSpPr>
+        <p:cNvPr id="201" name="Shape 201"/>
+        <p:cNvGrpSpPr/>
+        <p:nvPr/>
+      </p:nvGrpSpPr>
+      <p:grpSpPr>
+        <a:xfrm>
+          <a:off x="0" y="0"/>
+          <a:ext cx="0" cy="0"/>
+          <a:chOff x="0" y="0"/>
+          <a:chExt cx="0" cy="0"/>
+        </a:xfrm>
+      </p:grpSpPr>
+      <p:pic>
+        <p:nvPicPr>
+          <p:cNvPr id="202" name="Shape 202"/>
+          <p:cNvPicPr preferRelativeResize="0"/>
+          <p:nvPr/>
+        </p:nvPicPr>
+        <p:blipFill>
+          <a:blip r:embed="rId3">
+            <a:alphaModFix/>
+          </a:blip>
+          <a:stretch>
+            <a:fillRect/>
+          </a:stretch>
+        </p:blipFill>
+        <p:spPr>
+          <a:xfrm>
+            <a:off x="1496099" y="867699"/>
+            <a:ext cx="7084249" cy="5122624"/>
+          </a:xfrm>
+          <a:prstGeom prst="rect">
+            <a:avLst/>
+          </a:prstGeom>
+          <a:noFill/>
+          <a:ln>
+            <a:noFill/>
+          </a:ln>
+        </p:spPr>
+      </p:pic>
+    </p:spTree>
+  </p:cSld>
+  <p:clrMapOvr>
+    <a:masterClrMapping/>
+  </p:clrMapOvr>
+</p:sld>
+</file>
+
+<file path=ppt/slides/slide12.xml><?xml version="1.0" encoding="utf-8"?>
+<p:sld xmlns:a="http://schemas.openxmlformats.org/drawingml/2006/main" xmlns:r="http://schemas.openxmlformats.org/officeDocument/2006/relationships" xmlns:mc="http://schemas.openxmlformats.org/markup-compatibility/2006" xmlns:mv="urn:schemas-microsoft-com:mac:vml" xmlns:p="http://schemas.openxmlformats.org/presentationml/2006/main" xmlns:c="http://schemas.openxmlformats.org/drawingml/2006/chart" xmlns:dgm="http://schemas.openxmlformats.org/drawingml/2006/diagram" xmlns:o="urn:schemas-microsoft-com:office:office" xmlns:v="urn:schemas-microsoft-com:vml" xmlns:pvml="urn:schemas-microsoft-com:office:powerpoint" xmlns:com="http://schemas.openxmlformats.org/drawingml/2006/compatibility" xmlns:p14="http://schemas.microsoft.com/office/powerpoint/2010/main">
+  <p:cSld>
+    <p:spTree>
+      <p:nvGrpSpPr>
+        <p:cNvPr id="206" name="Shape 206"/>
         <p:cNvGrpSpPr/>
         <p:nvPr/>
       </p:nvGrpSpPr>
@@ -17465,7 +17768,7 @@
       </p:grpSpPr>
       <p:sp>
         <p:nvSpPr>
-          <p:cNvPr id="192" name="Shape 192"/>
+          <p:cNvPr id="207" name="Shape 207"/>
           <p:cNvSpPr txBox="1"/>
           <p:nvPr>
             <p:ph type="title"/>
@@ -17518,7 +17821,7 @@
       </p:sp>
       <p:sp>
         <p:nvSpPr>
-          <p:cNvPr id="193" name="Shape 193"/>
+          <p:cNvPr id="208" name="Shape 208"/>
           <p:cNvSpPr txBox="1"/>
           <p:nvPr>
             <p:ph idx="1" type="body"/>
@@ -17732,8 +18035,148 @@
         </p:blipFill>
         <p:spPr>
           <a:xfrm>
-            <a:off x="2523996" y="1930400"/>
-            <a:ext cx="5737237" cy="3664623"/>
+            <a:off x="677324" y="2112875"/>
+            <a:ext cx="4845600" cy="3095100"/>
+          </a:xfrm>
+          <a:prstGeom prst="rect">
+            <a:avLst/>
+          </a:prstGeom>
+          <a:noFill/>
+          <a:ln>
+            <a:noFill/>
+          </a:ln>
+        </p:spPr>
+      </p:pic>
+      <p:pic>
+        <p:nvPicPr>
+          <p:cNvPr id="151" name="Shape 151"/>
+          <p:cNvPicPr preferRelativeResize="0"/>
+          <p:nvPr/>
+        </p:nvPicPr>
+        <p:blipFill>
+          <a:blip r:embed="rId4">
+            <a:alphaModFix/>
+          </a:blip>
+          <a:stretch>
+            <a:fillRect/>
+          </a:stretch>
+        </p:blipFill>
+        <p:spPr>
+          <a:xfrm>
+            <a:off x="6233675" y="1392500"/>
+            <a:ext cx="2933376" cy="847925"/>
+          </a:xfrm>
+          <a:prstGeom prst="rect">
+            <a:avLst/>
+          </a:prstGeom>
+          <a:noFill/>
+          <a:ln>
+            <a:noFill/>
+          </a:ln>
+        </p:spPr>
+      </p:pic>
+      <p:pic>
+        <p:nvPicPr>
+          <p:cNvPr id="152" name="Shape 152"/>
+          <p:cNvPicPr preferRelativeResize="0"/>
+          <p:nvPr/>
+        </p:nvPicPr>
+        <p:blipFill>
+          <a:blip r:embed="rId5">
+            <a:alphaModFix/>
+          </a:blip>
+          <a:stretch>
+            <a:fillRect/>
+          </a:stretch>
+        </p:blipFill>
+        <p:spPr>
+          <a:xfrm>
+            <a:off x="6402725" y="2552222"/>
+            <a:ext cx="2595275" cy="1237950"/>
+          </a:xfrm>
+          <a:prstGeom prst="rect">
+            <a:avLst/>
+          </a:prstGeom>
+          <a:noFill/>
+          <a:ln>
+            <a:noFill/>
+          </a:ln>
+        </p:spPr>
+      </p:pic>
+      <p:pic>
+        <p:nvPicPr>
+          <p:cNvPr id="153" name="Shape 153"/>
+          <p:cNvPicPr preferRelativeResize="0"/>
+          <p:nvPr/>
+        </p:nvPicPr>
+        <p:blipFill>
+          <a:blip r:embed="rId6">
+            <a:alphaModFix/>
+          </a:blip>
+          <a:stretch>
+            <a:fillRect/>
+          </a:stretch>
+        </p:blipFill>
+        <p:spPr>
+          <a:xfrm>
+            <a:off x="5204902" y="4834625"/>
+            <a:ext cx="3113075" cy="1634350"/>
+          </a:xfrm>
+          <a:prstGeom prst="rect">
+            <a:avLst/>
+          </a:prstGeom>
+          <a:noFill/>
+          <a:ln>
+            <a:noFill/>
+          </a:ln>
+        </p:spPr>
+      </p:pic>
+      <p:pic>
+        <p:nvPicPr>
+          <p:cNvPr id="154" name="Shape 154"/>
+          <p:cNvPicPr preferRelativeResize="0"/>
+          <p:nvPr/>
+        </p:nvPicPr>
+        <p:blipFill>
+          <a:blip r:embed="rId7">
+            <a:alphaModFix/>
+          </a:blip>
+          <a:stretch>
+            <a:fillRect/>
+          </a:stretch>
+        </p:blipFill>
+        <p:spPr>
+          <a:xfrm>
+            <a:off x="7184574" y="4101976"/>
+            <a:ext cx="920148" cy="1048099"/>
+          </a:xfrm>
+          <a:prstGeom prst="rect">
+            <a:avLst/>
+          </a:prstGeom>
+          <a:noFill/>
+          <a:ln>
+            <a:noFill/>
+          </a:ln>
+        </p:spPr>
+      </p:pic>
+      <p:pic>
+        <p:nvPicPr>
+          <p:cNvPr id="155" name="Shape 155"/>
+          <p:cNvPicPr preferRelativeResize="0"/>
+          <p:nvPr/>
+        </p:nvPicPr>
+        <p:blipFill>
+          <a:blip r:embed="rId8">
+            <a:alphaModFix/>
+          </a:blip>
+          <a:stretch>
+            <a:fillRect/>
+          </a:stretch>
+        </p:blipFill>
+        <p:spPr>
+          <a:xfrm>
+            <a:off x="7693625" y="5274300"/>
+            <a:ext cx="1623273" cy="1005674"/>
           </a:xfrm>
           <a:prstGeom prst="rect">
             <a:avLst/>
@@ -17757,7 +18200,7 @@
   <p:cSld>
     <p:spTree>
       <p:nvGrpSpPr>
-        <p:cNvPr id="154" name="Shape 154"/>
+        <p:cNvPr id="159" name="Shape 159"/>
         <p:cNvGrpSpPr/>
         <p:nvPr/>
       </p:nvGrpSpPr>
@@ -17771,7 +18214,7 @@
       </p:grpSpPr>
       <p:sp>
         <p:nvSpPr>
-          <p:cNvPr id="155" name="Shape 155"/>
+          <p:cNvPr id="160" name="Shape 160"/>
           <p:cNvSpPr txBox="1"/>
           <p:nvPr>
             <p:ph type="title"/>
@@ -17824,7 +18267,7 @@
       </p:sp>
       <p:sp>
         <p:nvSpPr>
-          <p:cNvPr id="156" name="Shape 156"/>
+          <p:cNvPr id="161" name="Shape 161"/>
           <p:cNvSpPr txBox="1"/>
           <p:nvPr>
             <p:ph idx="1" type="body"/>
@@ -17915,7 +18358,7 @@
   <p:cSld>
     <p:spTree>
       <p:nvGrpSpPr>
-        <p:cNvPr id="160" name="Shape 160"/>
+        <p:cNvPr id="165" name="Shape 165"/>
         <p:cNvGrpSpPr/>
         <p:nvPr/>
       </p:nvGrpSpPr>
@@ -17929,7 +18372,7 @@
       </p:grpSpPr>
       <p:pic>
         <p:nvPicPr>
-          <p:cNvPr id="161" name="Shape 161"/>
+          <p:cNvPr id="166" name="Shape 166"/>
           <p:cNvPicPr preferRelativeResize="0"/>
           <p:nvPr/>
         </p:nvPicPr>
@@ -17943,8 +18386,8 @@
         </p:blipFill>
         <p:spPr>
           <a:xfrm>
-            <a:off x="1058550" y="1661125"/>
-            <a:ext cx="7690374" cy="3372375"/>
+            <a:off x="1852500" y="1641200"/>
+            <a:ext cx="6169899" cy="3843300"/>
           </a:xfrm>
           <a:prstGeom prst="rect">
             <a:avLst/>
@@ -17968,7 +18411,7 @@
   <p:cSld>
     <p:spTree>
       <p:nvGrpSpPr>
-        <p:cNvPr id="165" name="Shape 165"/>
+        <p:cNvPr id="170" name="Shape 170"/>
         <p:cNvGrpSpPr/>
         <p:nvPr/>
       </p:nvGrpSpPr>
@@ -17982,7 +18425,7 @@
       </p:grpSpPr>
       <p:pic>
         <p:nvPicPr>
-          <p:cNvPr descr="IMAG0084.jpg" id="166" name="Shape 166"/>
+          <p:cNvPr descr="IMAG0084.jpg" id="171" name="Shape 171"/>
           <p:cNvPicPr preferRelativeResize="0"/>
           <p:nvPr>
             <p:ph idx="1" type="body"/>
@@ -18018,59 +18461,6 @@
 </file>
 
 <file path=ppt/slides/slide6.xml><?xml version="1.0" encoding="utf-8"?>
-<p:sld xmlns:a="http://schemas.openxmlformats.org/drawingml/2006/main" xmlns:r="http://schemas.openxmlformats.org/officeDocument/2006/relationships" xmlns:mc="http://schemas.openxmlformats.org/markup-compatibility/2006" xmlns:mv="urn:schemas-microsoft-com:mac:vml" xmlns:p="http://schemas.openxmlformats.org/presentationml/2006/main" xmlns:c="http://schemas.openxmlformats.org/drawingml/2006/chart" xmlns:dgm="http://schemas.openxmlformats.org/drawingml/2006/diagram" xmlns:o="urn:schemas-microsoft-com:office:office" xmlns:v="urn:schemas-microsoft-com:vml" xmlns:pvml="urn:schemas-microsoft-com:office:powerpoint" xmlns:com="http://schemas.openxmlformats.org/drawingml/2006/compatibility" xmlns:p14="http://schemas.microsoft.com/office/powerpoint/2010/main">
-  <p:cSld>
-    <p:spTree>
-      <p:nvGrpSpPr>
-        <p:cNvPr id="170" name="Shape 170"/>
-        <p:cNvGrpSpPr/>
-        <p:nvPr/>
-      </p:nvGrpSpPr>
-      <p:grpSpPr>
-        <a:xfrm>
-          <a:off x="0" y="0"/>
-          <a:ext cx="0" cy="0"/>
-          <a:chOff x="0" y="0"/>
-          <a:chExt cx="0" cy="0"/>
-        </a:xfrm>
-      </p:grpSpPr>
-      <p:pic>
-        <p:nvPicPr>
-          <p:cNvPr id="171" name="Shape 171"/>
-          <p:cNvPicPr preferRelativeResize="0"/>
-          <p:nvPr/>
-        </p:nvPicPr>
-        <p:blipFill>
-          <a:blip r:embed="rId3">
-            <a:alphaModFix/>
-          </a:blip>
-          <a:stretch>
-            <a:fillRect/>
-          </a:stretch>
-        </p:blipFill>
-        <p:spPr>
-          <a:xfrm>
-            <a:off x="2676536" y="380761"/>
-            <a:ext cx="5463724" cy="6096474"/>
-          </a:xfrm>
-          <a:prstGeom prst="rect">
-            <a:avLst/>
-          </a:prstGeom>
-          <a:noFill/>
-          <a:ln>
-            <a:noFill/>
-          </a:ln>
-        </p:spPr>
-      </p:pic>
-    </p:spTree>
-  </p:cSld>
-  <p:clrMapOvr>
-    <a:masterClrMapping/>
-  </p:clrMapOvr>
-</p:sld>
-</file>
-
-<file path=ppt/slides/slide7.xml><?xml version="1.0" encoding="utf-8"?>
 <p:sld xmlns:a="http://schemas.openxmlformats.org/drawingml/2006/main" xmlns:r="http://schemas.openxmlformats.org/officeDocument/2006/relationships" xmlns:mc="http://schemas.openxmlformats.org/markup-compatibility/2006" xmlns:mv="urn:schemas-microsoft-com:mac:vml" xmlns:p="http://schemas.openxmlformats.org/presentationml/2006/main" xmlns:c="http://schemas.openxmlformats.org/drawingml/2006/chart" xmlns:dgm="http://schemas.openxmlformats.org/drawingml/2006/diagram" xmlns:o="urn:schemas-microsoft-com:office:office" xmlns:v="urn:schemas-microsoft-com:vml" xmlns:pvml="urn:schemas-microsoft-com:office:powerpoint" xmlns:com="http://schemas.openxmlformats.org/drawingml/2006/compatibility" xmlns:p14="http://schemas.microsoft.com/office/powerpoint/2010/main">
   <p:cSld>
     <p:spTree>
@@ -18126,39 +18516,83 @@
               <a:buNone/>
             </a:pPr>
             <a:r>
-              <a:rPr b="0" i="0" lang="en-US" sz="3600" u="none" cap="none" strike="noStrike">
-                <a:solidFill>
-                  <a:schemeClr val="accent1"/>
-                </a:solidFill>
-                <a:latin typeface="Trebuchet MS"/>
-                <a:ea typeface="Trebuchet MS"/>
-                <a:cs typeface="Trebuchet MS"/>
-                <a:sym typeface="Trebuchet MS"/>
-              </a:rPr>
-              <a:t>The Solution</a:t>
+              <a:rPr lang="en-US"/>
+              <a:t>Project Plan</a:t>
             </a:r>
           </a:p>
         </p:txBody>
       </p:sp>
       <p:pic>
         <p:nvPicPr>
-          <p:cNvPr descr="Image result for inflow" id="177" name="Shape 177"/>
+          <p:cNvPr id="177" name="Shape 177"/>
           <p:cNvPicPr preferRelativeResize="0"/>
-          <p:nvPr>
-            <p:ph idx="1" type="body"/>
-          </p:nvPr>
+          <p:nvPr/>
         </p:nvPicPr>
-        <p:blipFill rotWithShape="1">
+        <p:blipFill>
           <a:blip r:embed="rId3">
             <a:alphaModFix/>
           </a:blip>
-          <a:srcRect b="0" l="0" r="0" t="0"/>
-          <a:stretch/>
+          <a:stretch>
+            <a:fillRect/>
+          </a:stretch>
         </p:blipFill>
         <p:spPr>
           <a:xfrm>
-            <a:off x="677333" y="1817552"/>
-            <a:ext cx="8878528" cy="3331223"/>
+            <a:off x="407149" y="1311749"/>
+            <a:ext cx="8337750" cy="5048649"/>
+          </a:xfrm>
+          <a:prstGeom prst="rect">
+            <a:avLst/>
+          </a:prstGeom>
+          <a:noFill/>
+          <a:ln>
+            <a:noFill/>
+          </a:ln>
+        </p:spPr>
+      </p:pic>
+    </p:spTree>
+  </p:cSld>
+  <p:clrMapOvr>
+    <a:masterClrMapping/>
+  </p:clrMapOvr>
+</p:sld>
+</file>
+
+<file path=ppt/slides/slide7.xml><?xml version="1.0" encoding="utf-8"?>
+<p:sld xmlns:a="http://schemas.openxmlformats.org/drawingml/2006/main" xmlns:r="http://schemas.openxmlformats.org/officeDocument/2006/relationships" xmlns:mc="http://schemas.openxmlformats.org/markup-compatibility/2006" xmlns:mv="urn:schemas-microsoft-com:mac:vml" xmlns:p="http://schemas.openxmlformats.org/presentationml/2006/main" xmlns:c="http://schemas.openxmlformats.org/drawingml/2006/chart" xmlns:dgm="http://schemas.openxmlformats.org/drawingml/2006/diagram" xmlns:o="urn:schemas-microsoft-com:office:office" xmlns:v="urn:schemas-microsoft-com:vml" xmlns:pvml="urn:schemas-microsoft-com:office:powerpoint" xmlns:com="http://schemas.openxmlformats.org/drawingml/2006/compatibility" xmlns:p14="http://schemas.microsoft.com/office/powerpoint/2010/main">
+  <p:cSld>
+    <p:spTree>
+      <p:nvGrpSpPr>
+        <p:cNvPr id="181" name="Shape 181"/>
+        <p:cNvGrpSpPr/>
+        <p:nvPr/>
+      </p:nvGrpSpPr>
+      <p:grpSpPr>
+        <a:xfrm>
+          <a:off x="0" y="0"/>
+          <a:ext cx="0" cy="0"/>
+          <a:chOff x="0" y="0"/>
+          <a:chExt cx="0" cy="0"/>
+        </a:xfrm>
+      </p:grpSpPr>
+      <p:pic>
+        <p:nvPicPr>
+          <p:cNvPr id="182" name="Shape 182"/>
+          <p:cNvPicPr preferRelativeResize="0"/>
+          <p:nvPr/>
+        </p:nvPicPr>
+        <p:blipFill>
+          <a:blip r:embed="rId3">
+            <a:alphaModFix/>
+          </a:blip>
+          <a:stretch>
+            <a:fillRect/>
+          </a:stretch>
+        </p:blipFill>
+        <p:spPr>
+          <a:xfrm>
+            <a:off x="2111825" y="302074"/>
+            <a:ext cx="5363575" cy="6104475"/>
           </a:xfrm>
           <a:prstGeom prst="rect">
             <a:avLst/>
@@ -18178,60 +18612,6 @@
 </file>
 
 <file path=ppt/slides/slide8.xml><?xml version="1.0" encoding="utf-8"?>
-<p:sld xmlns:a="http://schemas.openxmlformats.org/drawingml/2006/main" xmlns:r="http://schemas.openxmlformats.org/officeDocument/2006/relationships" xmlns:mc="http://schemas.openxmlformats.org/markup-compatibility/2006" xmlns:mv="urn:schemas-microsoft-com:mac:vml" xmlns:p="http://schemas.openxmlformats.org/presentationml/2006/main" xmlns:c="http://schemas.openxmlformats.org/drawingml/2006/chart" xmlns:dgm="http://schemas.openxmlformats.org/drawingml/2006/diagram" xmlns:o="urn:schemas-microsoft-com:office:office" xmlns:v="urn:schemas-microsoft-com:vml" xmlns:pvml="urn:schemas-microsoft-com:office:powerpoint" xmlns:com="http://schemas.openxmlformats.org/drawingml/2006/compatibility" xmlns:p14="http://schemas.microsoft.com/office/powerpoint/2010/main">
-  <p:cSld>
-    <p:spTree>
-      <p:nvGrpSpPr>
-        <p:cNvPr id="181" name="Shape 181"/>
-        <p:cNvGrpSpPr/>
-        <p:nvPr/>
-      </p:nvGrpSpPr>
-      <p:grpSpPr>
-        <a:xfrm>
-          <a:off x="0" y="0"/>
-          <a:ext cx="0" cy="0"/>
-          <a:chOff x="0" y="0"/>
-          <a:chExt cx="0" cy="0"/>
-        </a:xfrm>
-      </p:grpSpPr>
-      <p:pic>
-        <p:nvPicPr>
-          <p:cNvPr descr="Image result for inflow" id="182" name="Shape 182"/>
-          <p:cNvPicPr preferRelativeResize="0"/>
-          <p:nvPr>
-            <p:ph idx="1" type="body"/>
-          </p:nvPr>
-        </p:nvPicPr>
-        <p:blipFill rotWithShape="1">
-          <a:blip r:embed="rId3">
-            <a:alphaModFix/>
-          </a:blip>
-          <a:srcRect b="0" l="0" r="0" t="0"/>
-          <a:stretch/>
-        </p:blipFill>
-        <p:spPr>
-          <a:xfrm>
-            <a:off x="1289745" y="742412"/>
-            <a:ext cx="7438200" cy="5334900"/>
-          </a:xfrm>
-          <a:prstGeom prst="rect">
-            <a:avLst/>
-          </a:prstGeom>
-          <a:noFill/>
-          <a:ln>
-            <a:noFill/>
-          </a:ln>
-        </p:spPr>
-      </p:pic>
-    </p:spTree>
-  </p:cSld>
-  <p:clrMapOvr>
-    <a:masterClrMapping/>
-  </p:clrMapOvr>
-</p:sld>
-</file>
-
-<file path=ppt/slides/slide9.xml><?xml version="1.0" encoding="utf-8"?>
 <p:sld xmlns:a="http://schemas.openxmlformats.org/drawingml/2006/main" xmlns:r="http://schemas.openxmlformats.org/officeDocument/2006/relationships" xmlns:mc="http://schemas.openxmlformats.org/markup-compatibility/2006" xmlns:mv="urn:schemas-microsoft-com:mac:vml" xmlns:p="http://schemas.openxmlformats.org/presentationml/2006/main" xmlns:c="http://schemas.openxmlformats.org/drawingml/2006/chart" xmlns:dgm="http://schemas.openxmlformats.org/drawingml/2006/diagram" xmlns:o="urn:schemas-microsoft-com:office:office" xmlns:v="urn:schemas-microsoft-com:vml" xmlns:pvml="urn:schemas-microsoft-com:office:powerpoint" xmlns:com="http://schemas.openxmlformats.org/drawingml/2006/compatibility" xmlns:p14="http://schemas.microsoft.com/office/powerpoint/2010/main">
   <p:cSld>
     <p:spTree>
@@ -18264,8 +18644,62 @@
         </p:blipFill>
         <p:spPr>
           <a:xfrm>
-            <a:off x="1496099" y="867699"/>
-            <a:ext cx="7084249" cy="5122624"/>
+            <a:off x="2676536" y="380761"/>
+            <a:ext cx="5463724" cy="6096474"/>
+          </a:xfrm>
+          <a:prstGeom prst="rect">
+            <a:avLst/>
+          </a:prstGeom>
+          <a:noFill/>
+          <a:ln>
+            <a:noFill/>
+          </a:ln>
+        </p:spPr>
+      </p:pic>
+    </p:spTree>
+  </p:cSld>
+  <p:clrMapOvr>
+    <a:masterClrMapping/>
+  </p:clrMapOvr>
+</p:sld>
+</file>
+
+<file path=ppt/slides/slide9.xml><?xml version="1.0" encoding="utf-8"?>
+<p:sld xmlns:a="http://schemas.openxmlformats.org/drawingml/2006/main" xmlns:r="http://schemas.openxmlformats.org/officeDocument/2006/relationships" xmlns:mc="http://schemas.openxmlformats.org/markup-compatibility/2006" xmlns:mv="urn:schemas-microsoft-com:mac:vml" xmlns:p="http://schemas.openxmlformats.org/presentationml/2006/main" xmlns:c="http://schemas.openxmlformats.org/drawingml/2006/chart" xmlns:dgm="http://schemas.openxmlformats.org/drawingml/2006/diagram" xmlns:o="urn:schemas-microsoft-com:office:office" xmlns:v="urn:schemas-microsoft-com:vml" xmlns:pvml="urn:schemas-microsoft-com:office:powerpoint" xmlns:com="http://schemas.openxmlformats.org/drawingml/2006/compatibility" xmlns:p14="http://schemas.microsoft.com/office/powerpoint/2010/main">
+  <p:cSld>
+    <p:spTree>
+      <p:nvGrpSpPr>
+        <p:cNvPr id="191" name="Shape 191"/>
+        <p:cNvGrpSpPr/>
+        <p:nvPr/>
+      </p:nvGrpSpPr>
+      <p:grpSpPr>
+        <a:xfrm>
+          <a:off x="0" y="0"/>
+          <a:ext cx="0" cy="0"/>
+          <a:chOff x="0" y="0"/>
+          <a:chExt cx="0" cy="0"/>
+        </a:xfrm>
+      </p:grpSpPr>
+      <p:pic>
+        <p:nvPicPr>
+          <p:cNvPr descr="Image result for inflow" id="192" name="Shape 192"/>
+          <p:cNvPicPr preferRelativeResize="0"/>
+          <p:nvPr>
+            <p:ph idx="1" type="body"/>
+          </p:nvPr>
+        </p:nvPicPr>
+        <p:blipFill rotWithShape="1">
+          <a:blip r:embed="rId3">
+            <a:alphaModFix/>
+          </a:blip>
+          <a:srcRect b="0" l="0" r="0" t="0"/>
+          <a:stretch/>
+        </p:blipFill>
+        <p:spPr>
+          <a:xfrm>
+            <a:off x="586858" y="1464702"/>
+            <a:ext cx="8878500" cy="3331200"/>
           </a:xfrm>
           <a:prstGeom prst="rect">
             <a:avLst/>
@@ -18285,6 +18719,285 @@
 </file>
 
 <file path=ppt/theme/theme1.xml><?xml version="1.0" encoding="utf-8"?>
+<a:theme xmlns:a="http://schemas.openxmlformats.org/drawingml/2006/main" xmlns:r="http://schemas.openxmlformats.org/officeDocument/2006/relationships" name="Facet">
+  <a:themeElements>
+    <a:clrScheme name="Red">
+      <a:dk1>
+        <a:srgbClr val="000000"/>
+      </a:dk1>
+      <a:lt1>
+        <a:srgbClr val="FFFFFF"/>
+      </a:lt1>
+      <a:dk2>
+        <a:srgbClr val="323232"/>
+      </a:dk2>
+      <a:lt2>
+        <a:srgbClr val="E5C243"/>
+      </a:lt2>
+      <a:accent1>
+        <a:srgbClr val="A5300F"/>
+      </a:accent1>
+      <a:accent2>
+        <a:srgbClr val="D55816"/>
+      </a:accent2>
+      <a:accent3>
+        <a:srgbClr val="E19825"/>
+      </a:accent3>
+      <a:accent4>
+        <a:srgbClr val="B19C7D"/>
+      </a:accent4>
+      <a:accent5>
+        <a:srgbClr val="7F5F52"/>
+      </a:accent5>
+      <a:accent6>
+        <a:srgbClr val="B27D49"/>
+      </a:accent6>
+      <a:hlink>
+        <a:srgbClr val="6B9F25"/>
+      </a:hlink>
+      <a:folHlink>
+        <a:srgbClr val="B26B02"/>
+      </a:folHlink>
+    </a:clrScheme>
+    <a:fontScheme name="Office">
+      <a:majorFont>
+        <a:latin typeface="Arial"/>
+        <a:ea typeface=""/>
+        <a:cs typeface=""/>
+        <a:font script="Jpan" typeface="ＭＳ Ｐゴシック"/>
+        <a:font script="Hang" typeface="맑은 고딕"/>
+        <a:font script="Hans" typeface="宋体"/>
+        <a:font script="Hant" typeface="新細明體"/>
+        <a:font script="Arab" typeface="Times New Roman"/>
+        <a:font script="Hebr" typeface="Times New Roman"/>
+        <a:font script="Thai" typeface="Angsana New"/>
+        <a:font script="Ethi" typeface="Nyala"/>
+        <a:font script="Beng" typeface="Vrinda"/>
+        <a:font script="Gujr" typeface="Shruti"/>
+        <a:font script="Khmr" typeface="MoolBoran"/>
+        <a:font script="Knda" typeface="Tunga"/>
+        <a:font script="Guru" typeface="Raavi"/>
+        <a:font script="Cans" typeface="Euphemia"/>
+        <a:font script="Cher" typeface="Plantagenet Cherokee"/>
+        <a:font script="Yiii" typeface="Microsoft Yi Baiti"/>
+        <a:font script="Tibt" typeface="Microsoft Himalaya"/>
+        <a:font script="Thaa" typeface="MV Boli"/>
+        <a:font script="Deva" typeface="Mangal"/>
+        <a:font script="Telu" typeface="Gautami"/>
+        <a:font script="Taml" typeface="Latha"/>
+        <a:font script="Syrc" typeface="Estrangelo Edessa"/>
+        <a:font script="Orya" typeface="Kalinga"/>
+        <a:font script="Mlym" typeface="Kartika"/>
+        <a:font script="Laoo" typeface="DokChampa"/>
+        <a:font script="Sinh" typeface="Iskoola Pota"/>
+        <a:font script="Mong" typeface="Mongolian Baiti"/>
+        <a:font script="Viet" typeface="Times New Roman"/>
+        <a:font script="Uigh" typeface="Microsoft Uighur"/>
+        <a:font script="Geor" typeface="Sylfaen"/>
+      </a:majorFont>
+      <a:minorFont>
+        <a:latin typeface="Arial"/>
+        <a:ea typeface=""/>
+        <a:cs typeface=""/>
+        <a:font script="Jpan" typeface="ＭＳ Ｐゴシック"/>
+        <a:font script="Hang" typeface="맑은 고딕"/>
+        <a:font script="Hans" typeface="宋体"/>
+        <a:font script="Hant" typeface="新細明體"/>
+        <a:font script="Arab" typeface="Arial"/>
+        <a:font script="Hebr" typeface="Arial"/>
+        <a:font script="Thai" typeface="Cordia New"/>
+        <a:font script="Ethi" typeface="Nyala"/>
+        <a:font script="Beng" typeface="Vrinda"/>
+        <a:font script="Gujr" typeface="Shruti"/>
+        <a:font script="Khmr" typeface="DaunPenh"/>
+        <a:font script="Knda" typeface="Tunga"/>
+        <a:font script="Guru" typeface="Raavi"/>
+        <a:font script="Cans" typeface="Euphemia"/>
+        <a:font script="Cher" typeface="Plantagenet Cherokee"/>
+        <a:font script="Yiii" typeface="Microsoft Yi Baiti"/>
+        <a:font script="Tibt" typeface="Microsoft Himalaya"/>
+        <a:font script="Thaa" typeface="MV Boli"/>
+        <a:font script="Deva" typeface="Mangal"/>
+        <a:font script="Telu" typeface="Gautami"/>
+        <a:font script="Taml" typeface="Latha"/>
+        <a:font script="Syrc" typeface="Estrangelo Edessa"/>
+        <a:font script="Orya" typeface="Kalinga"/>
+        <a:font script="Mlym" typeface="Kartika"/>
+        <a:font script="Laoo" typeface="DokChampa"/>
+        <a:font script="Sinh" typeface="Iskoola Pota"/>
+        <a:font script="Mong" typeface="Mongolian Baiti"/>
+        <a:font script="Viet" typeface="Arial"/>
+        <a:font script="Uigh" typeface="Microsoft Uighur"/>
+        <a:font script="Geor" typeface="Sylfaen"/>
+      </a:minorFont>
+    </a:fontScheme>
+    <a:fmtScheme name="Office">
+      <a:fillStyleLst>
+        <a:solidFill>
+          <a:schemeClr val="phClr"/>
+        </a:solidFill>
+        <a:gradFill rotWithShape="1">
+          <a:gsLst>
+            <a:gs pos="0">
+              <a:schemeClr val="phClr">
+                <a:tint val="50000"/>
+                <a:satMod val="300000"/>
+              </a:schemeClr>
+            </a:gs>
+            <a:gs pos="35000">
+              <a:schemeClr val="phClr">
+                <a:tint val="37000"/>
+                <a:satMod val="300000"/>
+              </a:schemeClr>
+            </a:gs>
+            <a:gs pos="100000">
+              <a:schemeClr val="phClr">
+                <a:tint val="15000"/>
+                <a:satMod val="350000"/>
+              </a:schemeClr>
+            </a:gs>
+          </a:gsLst>
+          <a:lin ang="16200000" scaled="1"/>
+        </a:gradFill>
+        <a:gradFill rotWithShape="1">
+          <a:gsLst>
+            <a:gs pos="0">
+              <a:schemeClr val="phClr">
+                <a:tint val="100000"/>
+                <a:shade val="100000"/>
+                <a:satMod val="130000"/>
+              </a:schemeClr>
+            </a:gs>
+            <a:gs pos="100000">
+              <a:schemeClr val="phClr">
+                <a:tint val="50000"/>
+                <a:shade val="100000"/>
+                <a:satMod val="350000"/>
+              </a:schemeClr>
+            </a:gs>
+          </a:gsLst>
+          <a:lin ang="16200000" scaled="0"/>
+        </a:gradFill>
+      </a:fillStyleLst>
+      <a:lnStyleLst>
+        <a:ln w="9525" cap="flat" cmpd="sng" algn="ctr">
+          <a:solidFill>
+            <a:schemeClr val="phClr">
+              <a:shade val="95000"/>
+              <a:satMod val="105000"/>
+            </a:schemeClr>
+          </a:solidFill>
+          <a:prstDash val="solid"/>
+        </a:ln>
+        <a:ln w="25400" cap="flat" cmpd="sng" algn="ctr">
+          <a:solidFill>
+            <a:schemeClr val="phClr"/>
+          </a:solidFill>
+          <a:prstDash val="solid"/>
+        </a:ln>
+        <a:ln w="38100" cap="flat" cmpd="sng" algn="ctr">
+          <a:solidFill>
+            <a:schemeClr val="phClr"/>
+          </a:solidFill>
+          <a:prstDash val="solid"/>
+        </a:ln>
+      </a:lnStyleLst>
+      <a:effectStyleLst>
+        <a:effectStyle>
+          <a:effectLst>
+            <a:outerShdw blurRad="40000" dist="20000" dir="5400000" rotWithShape="0">
+              <a:srgbClr val="000000">
+                <a:alpha val="38000"/>
+              </a:srgbClr>
+            </a:outerShdw>
+          </a:effectLst>
+        </a:effectStyle>
+        <a:effectStyle>
+          <a:effectLst>
+            <a:outerShdw blurRad="40000" dist="23000" dir="5400000" rotWithShape="0">
+              <a:srgbClr val="000000">
+                <a:alpha val="35000"/>
+              </a:srgbClr>
+            </a:outerShdw>
+          </a:effectLst>
+        </a:effectStyle>
+        <a:effectStyle>
+          <a:effectLst>
+            <a:outerShdw blurRad="40000" dist="23000" dir="5400000" rotWithShape="0">
+              <a:srgbClr val="000000">
+                <a:alpha val="35000"/>
+              </a:srgbClr>
+            </a:outerShdw>
+          </a:effectLst>
+          <a:scene3d>
+            <a:camera prst="orthographicFront">
+              <a:rot lat="0" lon="0" rev="0"/>
+            </a:camera>
+            <a:lightRig rig="threePt" dir="t">
+              <a:rot lat="0" lon="0" rev="1200000"/>
+            </a:lightRig>
+          </a:scene3d>
+          <a:sp3d>
+            <a:bevelT w="63500" h="25400"/>
+          </a:sp3d>
+        </a:effectStyle>
+      </a:effectStyleLst>
+      <a:bgFillStyleLst>
+        <a:solidFill>
+          <a:schemeClr val="phClr"/>
+        </a:solidFill>
+        <a:gradFill rotWithShape="1">
+          <a:gsLst>
+            <a:gs pos="0">
+              <a:schemeClr val="phClr">
+                <a:tint val="40000"/>
+                <a:satMod val="350000"/>
+              </a:schemeClr>
+            </a:gs>
+            <a:gs pos="40000">
+              <a:schemeClr val="phClr">
+                <a:tint val="45000"/>
+                <a:shade val="99000"/>
+                <a:satMod val="350000"/>
+              </a:schemeClr>
+            </a:gs>
+            <a:gs pos="100000">
+              <a:schemeClr val="phClr">
+                <a:shade val="20000"/>
+                <a:satMod val="255000"/>
+              </a:schemeClr>
+            </a:gs>
+          </a:gsLst>
+          <a:path path="circle">
+            <a:fillToRect l="50000" t="-80000" r="50000" b="180000"/>
+          </a:path>
+        </a:gradFill>
+        <a:gradFill rotWithShape="1">
+          <a:gsLst>
+            <a:gs pos="0">
+              <a:schemeClr val="phClr">
+                <a:tint val="80000"/>
+                <a:satMod val="300000"/>
+              </a:schemeClr>
+            </a:gs>
+            <a:gs pos="100000">
+              <a:schemeClr val="phClr">
+                <a:shade val="30000"/>
+                <a:satMod val="200000"/>
+              </a:schemeClr>
+            </a:gs>
+          </a:gsLst>
+          <a:path path="circle">
+            <a:fillToRect l="50000" t="50000" r="50000" b="50000"/>
+          </a:path>
+        </a:gradFill>
+      </a:bgFillStyleLst>
+    </a:fmtScheme>
+  </a:themeElements>
+</a:theme>
+</file>
+
+<file path=ppt/theme/theme2.xml><?xml version="1.0" encoding="utf-8"?>
 <a:theme xmlns:a="http://schemas.openxmlformats.org/drawingml/2006/main" xmlns:r="http://schemas.openxmlformats.org/officeDocument/2006/relationships" name="Custom Theme">
   <a:themeElements>
     <a:clrScheme name="Default">
@@ -18561,283 +19274,4 @@
     </a:fmtScheme>
   </a:themeElements>
 </a:theme>
-</file>
-
-<file path=ppt/theme/theme2.xml><?xml version="1.0" encoding="utf-8"?>
-<a:theme xmlns:a="http://schemas.openxmlformats.org/drawingml/2006/main" xmlns:r="http://schemas.openxmlformats.org/officeDocument/2006/relationships" name="Facet">
-  <a:themeElements>
-    <a:clrScheme name="Red">
-      <a:dk1>
-        <a:srgbClr val="000000"/>
-      </a:dk1>
-      <a:lt1>
-        <a:srgbClr val="FFFFFF"/>
-      </a:lt1>
-      <a:dk2>
-        <a:srgbClr val="323232"/>
-      </a:dk2>
-      <a:lt2>
-        <a:srgbClr val="E5C243"/>
-      </a:lt2>
-      <a:accent1>
-        <a:srgbClr val="A5300F"/>
-      </a:accent1>
-      <a:accent2>
-        <a:srgbClr val="D55816"/>
-      </a:accent2>
-      <a:accent3>
-        <a:srgbClr val="E19825"/>
-      </a:accent3>
-      <a:accent4>
-        <a:srgbClr val="B19C7D"/>
-      </a:accent4>
-      <a:accent5>
-        <a:srgbClr val="7F5F52"/>
-      </a:accent5>
-      <a:accent6>
-        <a:srgbClr val="B27D49"/>
-      </a:accent6>
-      <a:hlink>
-        <a:srgbClr val="6B9F25"/>
-      </a:hlink>
-      <a:folHlink>
-        <a:srgbClr val="B26B02"/>
-      </a:folHlink>
-    </a:clrScheme>
-    <a:fontScheme name="Office">
-      <a:majorFont>
-        <a:latin typeface="Arial"/>
-        <a:ea typeface=""/>
-        <a:cs typeface=""/>
-        <a:font script="Jpan" typeface="ＭＳ Ｐゴシック"/>
-        <a:font script="Hang" typeface="맑은 고딕"/>
-        <a:font script="Hans" typeface="宋体"/>
-        <a:font script="Hant" typeface="新細明體"/>
-        <a:font script="Arab" typeface="Times New Roman"/>
-        <a:font script="Hebr" typeface="Times New Roman"/>
-        <a:font script="Thai" typeface="Angsana New"/>
-        <a:font script="Ethi" typeface="Nyala"/>
-        <a:font script="Beng" typeface="Vrinda"/>
-        <a:font script="Gujr" typeface="Shruti"/>
-        <a:font script="Khmr" typeface="MoolBoran"/>
-        <a:font script="Knda" typeface="Tunga"/>
-        <a:font script="Guru" typeface="Raavi"/>
-        <a:font script="Cans" typeface="Euphemia"/>
-        <a:font script="Cher" typeface="Plantagenet Cherokee"/>
-        <a:font script="Yiii" typeface="Microsoft Yi Baiti"/>
-        <a:font script="Tibt" typeface="Microsoft Himalaya"/>
-        <a:font script="Thaa" typeface="MV Boli"/>
-        <a:font script="Deva" typeface="Mangal"/>
-        <a:font script="Telu" typeface="Gautami"/>
-        <a:font script="Taml" typeface="Latha"/>
-        <a:font script="Syrc" typeface="Estrangelo Edessa"/>
-        <a:font script="Orya" typeface="Kalinga"/>
-        <a:font script="Mlym" typeface="Kartika"/>
-        <a:font script="Laoo" typeface="DokChampa"/>
-        <a:font script="Sinh" typeface="Iskoola Pota"/>
-        <a:font script="Mong" typeface="Mongolian Baiti"/>
-        <a:font script="Viet" typeface="Times New Roman"/>
-        <a:font script="Uigh" typeface="Microsoft Uighur"/>
-        <a:font script="Geor" typeface="Sylfaen"/>
-      </a:majorFont>
-      <a:minorFont>
-        <a:latin typeface="Arial"/>
-        <a:ea typeface=""/>
-        <a:cs typeface=""/>
-        <a:font script="Jpan" typeface="ＭＳ Ｐゴシック"/>
-        <a:font script="Hang" typeface="맑은 고딕"/>
-        <a:font script="Hans" typeface="宋体"/>
-        <a:font script="Hant" typeface="新細明體"/>
-        <a:font script="Arab" typeface="Arial"/>
-        <a:font script="Hebr" typeface="Arial"/>
-        <a:font script="Thai" typeface="Cordia New"/>
-        <a:font script="Ethi" typeface="Nyala"/>
-        <a:font script="Beng" typeface="Vrinda"/>
-        <a:font script="Gujr" typeface="Shruti"/>
-        <a:font script="Khmr" typeface="DaunPenh"/>
-        <a:font script="Knda" typeface="Tunga"/>
-        <a:font script="Guru" typeface="Raavi"/>
-        <a:font script="Cans" typeface="Euphemia"/>
-        <a:font script="Cher" typeface="Plantagenet Cherokee"/>
-        <a:font script="Yiii" typeface="Microsoft Yi Baiti"/>
-        <a:font script="Tibt" typeface="Microsoft Himalaya"/>
-        <a:font script="Thaa" typeface="MV Boli"/>
-        <a:font script="Deva" typeface="Mangal"/>
-        <a:font script="Telu" typeface="Gautami"/>
-        <a:font script="Taml" typeface="Latha"/>
-        <a:font script="Syrc" typeface="Estrangelo Edessa"/>
-        <a:font script="Orya" typeface="Kalinga"/>
-        <a:font script="Mlym" typeface="Kartika"/>
-        <a:font script="Laoo" typeface="DokChampa"/>
-        <a:font script="Sinh" typeface="Iskoola Pota"/>
-        <a:font script="Mong" typeface="Mongolian Baiti"/>
-        <a:font script="Viet" typeface="Arial"/>
-        <a:font script="Uigh" typeface="Microsoft Uighur"/>
-        <a:font script="Geor" typeface="Sylfaen"/>
-      </a:minorFont>
-    </a:fontScheme>
-    <a:fmtScheme name="Office">
-      <a:fillStyleLst>
-        <a:solidFill>
-          <a:schemeClr val="phClr"/>
-        </a:solidFill>
-        <a:gradFill rotWithShape="1">
-          <a:gsLst>
-            <a:gs pos="0">
-              <a:schemeClr val="phClr">
-                <a:tint val="50000"/>
-                <a:satMod val="300000"/>
-              </a:schemeClr>
-            </a:gs>
-            <a:gs pos="35000">
-              <a:schemeClr val="phClr">
-                <a:tint val="37000"/>
-                <a:satMod val="300000"/>
-              </a:schemeClr>
-            </a:gs>
-            <a:gs pos="100000">
-              <a:schemeClr val="phClr">
-                <a:tint val="15000"/>
-                <a:satMod val="350000"/>
-              </a:schemeClr>
-            </a:gs>
-          </a:gsLst>
-          <a:lin ang="16200000" scaled="1"/>
-        </a:gradFill>
-        <a:gradFill rotWithShape="1">
-          <a:gsLst>
-            <a:gs pos="0">
-              <a:schemeClr val="phClr">
-                <a:tint val="100000"/>
-                <a:shade val="100000"/>
-                <a:satMod val="130000"/>
-              </a:schemeClr>
-            </a:gs>
-            <a:gs pos="100000">
-              <a:schemeClr val="phClr">
-                <a:tint val="50000"/>
-                <a:shade val="100000"/>
-                <a:satMod val="350000"/>
-              </a:schemeClr>
-            </a:gs>
-          </a:gsLst>
-          <a:lin ang="16200000" scaled="0"/>
-        </a:gradFill>
-      </a:fillStyleLst>
-      <a:lnStyleLst>
-        <a:ln w="9525" cap="flat" cmpd="sng" algn="ctr">
-          <a:solidFill>
-            <a:schemeClr val="phClr">
-              <a:shade val="95000"/>
-              <a:satMod val="105000"/>
-            </a:schemeClr>
-          </a:solidFill>
-          <a:prstDash val="solid"/>
-        </a:ln>
-        <a:ln w="25400" cap="flat" cmpd="sng" algn="ctr">
-          <a:solidFill>
-            <a:schemeClr val="phClr"/>
-          </a:solidFill>
-          <a:prstDash val="solid"/>
-        </a:ln>
-        <a:ln w="38100" cap="flat" cmpd="sng" algn="ctr">
-          <a:solidFill>
-            <a:schemeClr val="phClr"/>
-          </a:solidFill>
-          <a:prstDash val="solid"/>
-        </a:ln>
-      </a:lnStyleLst>
-      <a:effectStyleLst>
-        <a:effectStyle>
-          <a:effectLst>
-            <a:outerShdw blurRad="40000" dist="20000" dir="5400000" rotWithShape="0">
-              <a:srgbClr val="000000">
-                <a:alpha val="38000"/>
-              </a:srgbClr>
-            </a:outerShdw>
-          </a:effectLst>
-        </a:effectStyle>
-        <a:effectStyle>
-          <a:effectLst>
-            <a:outerShdw blurRad="40000" dist="23000" dir="5400000" rotWithShape="0">
-              <a:srgbClr val="000000">
-                <a:alpha val="35000"/>
-              </a:srgbClr>
-            </a:outerShdw>
-          </a:effectLst>
-        </a:effectStyle>
-        <a:effectStyle>
-          <a:effectLst>
-            <a:outerShdw blurRad="40000" dist="23000" dir="5400000" rotWithShape="0">
-              <a:srgbClr val="000000">
-                <a:alpha val="35000"/>
-              </a:srgbClr>
-            </a:outerShdw>
-          </a:effectLst>
-          <a:scene3d>
-            <a:camera prst="orthographicFront">
-              <a:rot lat="0" lon="0" rev="0"/>
-            </a:camera>
-            <a:lightRig rig="threePt" dir="t">
-              <a:rot lat="0" lon="0" rev="1200000"/>
-            </a:lightRig>
-          </a:scene3d>
-          <a:sp3d>
-            <a:bevelT w="63500" h="25400"/>
-          </a:sp3d>
-        </a:effectStyle>
-      </a:effectStyleLst>
-      <a:bgFillStyleLst>
-        <a:solidFill>
-          <a:schemeClr val="phClr"/>
-        </a:solidFill>
-        <a:gradFill rotWithShape="1">
-          <a:gsLst>
-            <a:gs pos="0">
-              <a:schemeClr val="phClr">
-                <a:tint val="40000"/>
-                <a:satMod val="350000"/>
-              </a:schemeClr>
-            </a:gs>
-            <a:gs pos="40000">
-              <a:schemeClr val="phClr">
-                <a:tint val="45000"/>
-                <a:shade val="99000"/>
-                <a:satMod val="350000"/>
-              </a:schemeClr>
-            </a:gs>
-            <a:gs pos="100000">
-              <a:schemeClr val="phClr">
-                <a:shade val="20000"/>
-                <a:satMod val="255000"/>
-              </a:schemeClr>
-            </a:gs>
-          </a:gsLst>
-          <a:path path="circle">
-            <a:fillToRect l="50000" t="-80000" r="50000" b="180000"/>
-          </a:path>
-        </a:gradFill>
-        <a:gradFill rotWithShape="1">
-          <a:gsLst>
-            <a:gs pos="0">
-              <a:schemeClr val="phClr">
-                <a:tint val="80000"/>
-                <a:satMod val="300000"/>
-              </a:schemeClr>
-            </a:gs>
-            <a:gs pos="100000">
-              <a:schemeClr val="phClr">
-                <a:shade val="30000"/>
-                <a:satMod val="200000"/>
-              </a:schemeClr>
-            </a:gs>
-          </a:gsLst>
-          <a:path path="circle">
-            <a:fillToRect l="50000" t="50000" r="50000" b="50000"/>
-          </a:path>
-        </a:gradFill>
-      </a:bgFillStyleLst>
-    </a:fmtScheme>
-  </a:themeElements>
-</a:theme>
 </file>